--- a/Demo_week1.pptx
+++ b/Demo_week1.pptx
@@ -5,23 +5,29 @@
     <p:sldMasterId id="2147483648" r:id="rId1"/>
   </p:sldMasterIdLst>
   <p:notesMasterIdLst>
-    <p:notesMasterId r:id="rId16"/>
+    <p:notesMasterId r:id="rId22"/>
   </p:notesMasterIdLst>
   <p:sldIdLst>
     <p:sldId id="256" r:id="rId2"/>
     <p:sldId id="258" r:id="rId3"/>
     <p:sldId id="265" r:id="rId4"/>
-    <p:sldId id="257" r:id="rId5"/>
-    <p:sldId id="261" r:id="rId6"/>
-    <p:sldId id="263" r:id="rId7"/>
-    <p:sldId id="266" r:id="rId8"/>
-    <p:sldId id="268" r:id="rId9"/>
-    <p:sldId id="267" r:id="rId10"/>
-    <p:sldId id="264" r:id="rId11"/>
-    <p:sldId id="269" r:id="rId12"/>
-    <p:sldId id="270" r:id="rId13"/>
-    <p:sldId id="262" r:id="rId14"/>
-    <p:sldId id="259" r:id="rId15"/>
+    <p:sldId id="274" r:id="rId5"/>
+    <p:sldId id="257" r:id="rId6"/>
+    <p:sldId id="261" r:id="rId7"/>
+    <p:sldId id="263" r:id="rId8"/>
+    <p:sldId id="271" r:id="rId9"/>
+    <p:sldId id="266" r:id="rId10"/>
+    <p:sldId id="268" r:id="rId11"/>
+    <p:sldId id="272" r:id="rId12"/>
+    <p:sldId id="267" r:id="rId13"/>
+    <p:sldId id="264" r:id="rId14"/>
+    <p:sldId id="275" r:id="rId15"/>
+    <p:sldId id="269" r:id="rId16"/>
+    <p:sldId id="276" r:id="rId17"/>
+    <p:sldId id="270" r:id="rId18"/>
+    <p:sldId id="273" r:id="rId19"/>
+    <p:sldId id="262" r:id="rId20"/>
+    <p:sldId id="259" r:id="rId21"/>
   </p:sldIdLst>
   <p:sldSz cx="12192000" cy="6858000"/>
   <p:notesSz cx="6858000" cy="9144000"/>
@@ -210,7 +216,7 @@
           <a:p>
             <a:fld id="{AB9F7D9B-3880-7C4C-A19C-A8A9473BBFE9}" type="datetimeFigureOut">
               <a:rPr lang="en-US" smtClean="0"/>
-              <a:t>8/22/20</a:t>
+              <a:t>8/23/20</a:t>
             </a:fld>
             <a:endParaRPr lang="en-US"/>
           </a:p>
@@ -542,7 +548,7 @@
           <a:p>
             <a:fld id="{C435A2B5-BF8D-004F-82D3-47F973E3D338}" type="slidenum">
               <a:rPr lang="en-US" smtClean="0"/>
-              <a:t>6</a:t>
+              <a:t>1</a:t>
             </a:fld>
             <a:endParaRPr lang="en-US"/>
           </a:p>
@@ -551,7 +557,7 @@
     </p:spTree>
     <p:extLst>
       <p:ext uri="{BB962C8B-B14F-4D97-AF65-F5344CB8AC3E}">
-        <p14:creationId xmlns:p14="http://schemas.microsoft.com/office/powerpoint/2010/main" val="2059552528"/>
+        <p14:creationId xmlns:p14="http://schemas.microsoft.com/office/powerpoint/2010/main" val="3634188157"/>
       </p:ext>
     </p:extLst>
   </p:cSld>
@@ -626,7 +632,259 @@
           <a:p>
             <a:fld id="{C435A2B5-BF8D-004F-82D3-47F973E3D338}" type="slidenum">
               <a:rPr lang="en-US" smtClean="0"/>
+              <a:t>4</a:t>
+            </a:fld>
+            <a:endParaRPr lang="en-US"/>
+          </a:p>
+        </p:txBody>
+      </p:sp>
+    </p:spTree>
+    <p:extLst>
+      <p:ext uri="{BB962C8B-B14F-4D97-AF65-F5344CB8AC3E}">
+        <p14:creationId xmlns:p14="http://schemas.microsoft.com/office/powerpoint/2010/main" val="2657258978"/>
+      </p:ext>
+    </p:extLst>
+  </p:cSld>
+  <p:clrMapOvr>
+    <a:masterClrMapping/>
+  </p:clrMapOvr>
+</p:notes>
+</file>
+
+<file path=ppt/notesSlides/notesSlide3.xml><?xml version="1.0" encoding="utf-8"?>
+<p:notes xmlns:a="http://schemas.openxmlformats.org/drawingml/2006/main" xmlns:r="http://schemas.openxmlformats.org/officeDocument/2006/relationships" xmlns:p="http://schemas.openxmlformats.org/presentationml/2006/main">
+  <p:cSld>
+    <p:spTree>
+      <p:nvGrpSpPr>
+        <p:cNvPr id="1" name=""/>
+        <p:cNvGrpSpPr/>
+        <p:nvPr/>
+      </p:nvGrpSpPr>
+      <p:grpSpPr>
+        <a:xfrm>
+          <a:off x="0" y="0"/>
+          <a:ext cx="0" cy="0"/>
+          <a:chOff x="0" y="0"/>
+          <a:chExt cx="0" cy="0"/>
+        </a:xfrm>
+      </p:grpSpPr>
+      <p:sp>
+        <p:nvSpPr>
+          <p:cNvPr id="2" name="Slide Image Placeholder 1"/>
+          <p:cNvSpPr>
+            <a:spLocks noGrp="1" noRot="1" noChangeAspect="1"/>
+          </p:cNvSpPr>
+          <p:nvPr>
+            <p:ph type="sldImg"/>
+          </p:nvPr>
+        </p:nvSpPr>
+        <p:spPr/>
+      </p:sp>
+      <p:sp>
+        <p:nvSpPr>
+          <p:cNvPr id="3" name="Notes Placeholder 2"/>
+          <p:cNvSpPr>
+            <a:spLocks noGrp="1"/>
+          </p:cNvSpPr>
+          <p:nvPr>
+            <p:ph type="body" idx="1"/>
+          </p:nvPr>
+        </p:nvSpPr>
+        <p:spPr/>
+        <p:txBody>
+          <a:bodyPr/>
+          <a:lstStyle/>
+          <a:p>
+            <a:endParaRPr lang="en-US" dirty="0"/>
+          </a:p>
+        </p:txBody>
+      </p:sp>
+      <p:sp>
+        <p:nvSpPr>
+          <p:cNvPr id="4" name="Slide Number Placeholder 3"/>
+          <p:cNvSpPr>
+            <a:spLocks noGrp="1"/>
+          </p:cNvSpPr>
+          <p:nvPr>
+            <p:ph type="sldNum" sz="quarter" idx="5"/>
+          </p:nvPr>
+        </p:nvSpPr>
+        <p:spPr/>
+        <p:txBody>
+          <a:bodyPr/>
+          <a:lstStyle/>
+          <a:p>
+            <a:fld id="{C435A2B5-BF8D-004F-82D3-47F973E3D338}" type="slidenum">
+              <a:rPr lang="en-US" smtClean="0"/>
+              <a:t>7</a:t>
+            </a:fld>
+            <a:endParaRPr lang="en-US"/>
+          </a:p>
+        </p:txBody>
+      </p:sp>
+    </p:spTree>
+    <p:extLst>
+      <p:ext uri="{BB962C8B-B14F-4D97-AF65-F5344CB8AC3E}">
+        <p14:creationId xmlns:p14="http://schemas.microsoft.com/office/powerpoint/2010/main" val="2059552528"/>
+      </p:ext>
+    </p:extLst>
+  </p:cSld>
+  <p:clrMapOvr>
+    <a:masterClrMapping/>
+  </p:clrMapOvr>
+</p:notes>
+</file>
+
+<file path=ppt/notesSlides/notesSlide4.xml><?xml version="1.0" encoding="utf-8"?>
+<p:notes xmlns:a="http://schemas.openxmlformats.org/drawingml/2006/main" xmlns:r="http://schemas.openxmlformats.org/officeDocument/2006/relationships" xmlns:p="http://schemas.openxmlformats.org/presentationml/2006/main">
+  <p:cSld>
+    <p:spTree>
+      <p:nvGrpSpPr>
+        <p:cNvPr id="1" name=""/>
+        <p:cNvGrpSpPr/>
+        <p:nvPr/>
+      </p:nvGrpSpPr>
+      <p:grpSpPr>
+        <a:xfrm>
+          <a:off x="0" y="0"/>
+          <a:ext cx="0" cy="0"/>
+          <a:chOff x="0" y="0"/>
+          <a:chExt cx="0" cy="0"/>
+        </a:xfrm>
+      </p:grpSpPr>
+      <p:sp>
+        <p:nvSpPr>
+          <p:cNvPr id="2" name="Slide Image Placeholder 1"/>
+          <p:cNvSpPr>
+            <a:spLocks noGrp="1" noRot="1" noChangeAspect="1"/>
+          </p:cNvSpPr>
+          <p:nvPr>
+            <p:ph type="sldImg"/>
+          </p:nvPr>
+        </p:nvSpPr>
+        <p:spPr/>
+      </p:sp>
+      <p:sp>
+        <p:nvSpPr>
+          <p:cNvPr id="3" name="Notes Placeholder 2"/>
+          <p:cNvSpPr>
+            <a:spLocks noGrp="1"/>
+          </p:cNvSpPr>
+          <p:nvPr>
+            <p:ph type="body" idx="1"/>
+          </p:nvPr>
+        </p:nvSpPr>
+        <p:spPr/>
+        <p:txBody>
+          <a:bodyPr/>
+          <a:lstStyle/>
+          <a:p>
+            <a:endParaRPr lang="en-US" dirty="0"/>
+          </a:p>
+        </p:txBody>
+      </p:sp>
+      <p:sp>
+        <p:nvSpPr>
+          <p:cNvPr id="4" name="Slide Number Placeholder 3"/>
+          <p:cNvSpPr>
+            <a:spLocks noGrp="1"/>
+          </p:cNvSpPr>
+          <p:nvPr>
+            <p:ph type="sldNum" sz="quarter" idx="5"/>
+          </p:nvPr>
+        </p:nvSpPr>
+        <p:spPr/>
+        <p:txBody>
+          <a:bodyPr/>
+          <a:lstStyle/>
+          <a:p>
+            <a:fld id="{C435A2B5-BF8D-004F-82D3-47F973E3D338}" type="slidenum">
+              <a:rPr lang="en-US" smtClean="0"/>
               <a:t>8</a:t>
+            </a:fld>
+            <a:endParaRPr lang="en-US"/>
+          </a:p>
+        </p:txBody>
+      </p:sp>
+    </p:spTree>
+    <p:extLst>
+      <p:ext uri="{BB962C8B-B14F-4D97-AF65-F5344CB8AC3E}">
+        <p14:creationId xmlns:p14="http://schemas.microsoft.com/office/powerpoint/2010/main" val="4019238076"/>
+      </p:ext>
+    </p:extLst>
+  </p:cSld>
+  <p:clrMapOvr>
+    <a:masterClrMapping/>
+  </p:clrMapOvr>
+</p:notes>
+</file>
+
+<file path=ppt/notesSlides/notesSlide5.xml><?xml version="1.0" encoding="utf-8"?>
+<p:notes xmlns:a="http://schemas.openxmlformats.org/drawingml/2006/main" xmlns:r="http://schemas.openxmlformats.org/officeDocument/2006/relationships" xmlns:p="http://schemas.openxmlformats.org/presentationml/2006/main">
+  <p:cSld>
+    <p:spTree>
+      <p:nvGrpSpPr>
+        <p:cNvPr id="1" name=""/>
+        <p:cNvGrpSpPr/>
+        <p:nvPr/>
+      </p:nvGrpSpPr>
+      <p:grpSpPr>
+        <a:xfrm>
+          <a:off x="0" y="0"/>
+          <a:ext cx="0" cy="0"/>
+          <a:chOff x="0" y="0"/>
+          <a:chExt cx="0" cy="0"/>
+        </a:xfrm>
+      </p:grpSpPr>
+      <p:sp>
+        <p:nvSpPr>
+          <p:cNvPr id="2" name="Slide Image Placeholder 1"/>
+          <p:cNvSpPr>
+            <a:spLocks noGrp="1" noRot="1" noChangeAspect="1"/>
+          </p:cNvSpPr>
+          <p:nvPr>
+            <p:ph type="sldImg"/>
+          </p:nvPr>
+        </p:nvSpPr>
+        <p:spPr/>
+      </p:sp>
+      <p:sp>
+        <p:nvSpPr>
+          <p:cNvPr id="3" name="Notes Placeholder 2"/>
+          <p:cNvSpPr>
+            <a:spLocks noGrp="1"/>
+          </p:cNvSpPr>
+          <p:nvPr>
+            <p:ph type="body" idx="1"/>
+          </p:nvPr>
+        </p:nvSpPr>
+        <p:spPr/>
+        <p:txBody>
+          <a:bodyPr/>
+          <a:lstStyle/>
+          <a:p>
+            <a:endParaRPr lang="en-US" dirty="0"/>
+          </a:p>
+        </p:txBody>
+      </p:sp>
+      <p:sp>
+        <p:nvSpPr>
+          <p:cNvPr id="4" name="Slide Number Placeholder 3"/>
+          <p:cNvSpPr>
+            <a:spLocks noGrp="1"/>
+          </p:cNvSpPr>
+          <p:nvPr>
+            <p:ph type="sldNum" sz="quarter" idx="5"/>
+          </p:nvPr>
+        </p:nvSpPr>
+        <p:spPr/>
+        <p:txBody>
+          <a:bodyPr/>
+          <a:lstStyle/>
+          <a:p>
+            <a:fld id="{C435A2B5-BF8D-004F-82D3-47F973E3D338}" type="slidenum">
+              <a:rPr lang="en-US" smtClean="0"/>
+              <a:t>10</a:t>
             </a:fld>
             <a:endParaRPr lang="en-US"/>
           </a:p>
@@ -636,6 +894,90 @@
     <p:extLst>
       <p:ext uri="{BB962C8B-B14F-4D97-AF65-F5344CB8AC3E}">
         <p14:creationId xmlns:p14="http://schemas.microsoft.com/office/powerpoint/2010/main" val="2473590412"/>
+      </p:ext>
+    </p:extLst>
+  </p:cSld>
+  <p:clrMapOvr>
+    <a:masterClrMapping/>
+  </p:clrMapOvr>
+</p:notes>
+</file>
+
+<file path=ppt/notesSlides/notesSlide6.xml><?xml version="1.0" encoding="utf-8"?>
+<p:notes xmlns:a="http://schemas.openxmlformats.org/drawingml/2006/main" xmlns:r="http://schemas.openxmlformats.org/officeDocument/2006/relationships" xmlns:p="http://schemas.openxmlformats.org/presentationml/2006/main">
+  <p:cSld>
+    <p:spTree>
+      <p:nvGrpSpPr>
+        <p:cNvPr id="1" name=""/>
+        <p:cNvGrpSpPr/>
+        <p:nvPr/>
+      </p:nvGrpSpPr>
+      <p:grpSpPr>
+        <a:xfrm>
+          <a:off x="0" y="0"/>
+          <a:ext cx="0" cy="0"/>
+          <a:chOff x="0" y="0"/>
+          <a:chExt cx="0" cy="0"/>
+        </a:xfrm>
+      </p:grpSpPr>
+      <p:sp>
+        <p:nvSpPr>
+          <p:cNvPr id="2" name="Slide Image Placeholder 1"/>
+          <p:cNvSpPr>
+            <a:spLocks noGrp="1" noRot="1" noChangeAspect="1"/>
+          </p:cNvSpPr>
+          <p:nvPr>
+            <p:ph type="sldImg"/>
+          </p:nvPr>
+        </p:nvSpPr>
+        <p:spPr/>
+      </p:sp>
+      <p:sp>
+        <p:nvSpPr>
+          <p:cNvPr id="3" name="Notes Placeholder 2"/>
+          <p:cNvSpPr>
+            <a:spLocks noGrp="1"/>
+          </p:cNvSpPr>
+          <p:nvPr>
+            <p:ph type="body" idx="1"/>
+          </p:nvPr>
+        </p:nvSpPr>
+        <p:spPr/>
+        <p:txBody>
+          <a:bodyPr/>
+          <a:lstStyle/>
+          <a:p>
+            <a:endParaRPr lang="en-US" dirty="0"/>
+          </a:p>
+        </p:txBody>
+      </p:sp>
+      <p:sp>
+        <p:nvSpPr>
+          <p:cNvPr id="4" name="Slide Number Placeholder 3"/>
+          <p:cNvSpPr>
+            <a:spLocks noGrp="1"/>
+          </p:cNvSpPr>
+          <p:nvPr>
+            <p:ph type="sldNum" sz="quarter" idx="5"/>
+          </p:nvPr>
+        </p:nvSpPr>
+        <p:spPr/>
+        <p:txBody>
+          <a:bodyPr/>
+          <a:lstStyle/>
+          <a:p>
+            <a:fld id="{C435A2B5-BF8D-004F-82D3-47F973E3D338}" type="slidenum">
+              <a:rPr lang="en-US" smtClean="0"/>
+              <a:t>11</a:t>
+            </a:fld>
+            <a:endParaRPr lang="en-US"/>
+          </a:p>
+        </p:txBody>
+      </p:sp>
+    </p:spTree>
+    <p:extLst>
+      <p:ext uri="{BB962C8B-B14F-4D97-AF65-F5344CB8AC3E}">
+        <p14:creationId xmlns:p14="http://schemas.microsoft.com/office/powerpoint/2010/main" val="1788738790"/>
       </p:ext>
     </p:extLst>
   </p:cSld>
@@ -792,7 +1134,7 @@
           <a:p>
             <a:fld id="{FC15DB8F-3731-704D-93DA-0A2191A2EC45}" type="datetimeFigureOut">
               <a:rPr lang="en-US" smtClean="0"/>
-              <a:t>8/22/20</a:t>
+              <a:t>8/23/20</a:t>
             </a:fld>
             <a:endParaRPr lang="en-US"/>
           </a:p>
@@ -990,7 +1332,7 @@
           <a:p>
             <a:fld id="{FC15DB8F-3731-704D-93DA-0A2191A2EC45}" type="datetimeFigureOut">
               <a:rPr lang="en-US" smtClean="0"/>
-              <a:t>8/22/20</a:t>
+              <a:t>8/23/20</a:t>
             </a:fld>
             <a:endParaRPr lang="en-US"/>
           </a:p>
@@ -1198,7 +1540,7 @@
           <a:p>
             <a:fld id="{FC15DB8F-3731-704D-93DA-0A2191A2EC45}" type="datetimeFigureOut">
               <a:rPr lang="en-US" smtClean="0"/>
-              <a:t>8/22/20</a:t>
+              <a:t>8/23/20</a:t>
             </a:fld>
             <a:endParaRPr lang="en-US"/>
           </a:p>
@@ -1396,7 +1738,7 @@
           <a:p>
             <a:fld id="{FC15DB8F-3731-704D-93DA-0A2191A2EC45}" type="datetimeFigureOut">
               <a:rPr lang="en-US" smtClean="0"/>
-              <a:t>8/22/20</a:t>
+              <a:t>8/23/20</a:t>
             </a:fld>
             <a:endParaRPr lang="en-US"/>
           </a:p>
@@ -1671,7 +2013,7 @@
           <a:p>
             <a:fld id="{FC15DB8F-3731-704D-93DA-0A2191A2EC45}" type="datetimeFigureOut">
               <a:rPr lang="en-US" smtClean="0"/>
-              <a:t>8/22/20</a:t>
+              <a:t>8/23/20</a:t>
             </a:fld>
             <a:endParaRPr lang="en-US"/>
           </a:p>
@@ -1936,7 +2278,7 @@
           <a:p>
             <a:fld id="{FC15DB8F-3731-704D-93DA-0A2191A2EC45}" type="datetimeFigureOut">
               <a:rPr lang="en-US" smtClean="0"/>
-              <a:t>8/22/20</a:t>
+              <a:t>8/23/20</a:t>
             </a:fld>
             <a:endParaRPr lang="en-US"/>
           </a:p>
@@ -2348,7 +2690,7 @@
           <a:p>
             <a:fld id="{FC15DB8F-3731-704D-93DA-0A2191A2EC45}" type="datetimeFigureOut">
               <a:rPr lang="en-US" smtClean="0"/>
-              <a:t>8/22/20</a:t>
+              <a:t>8/23/20</a:t>
             </a:fld>
             <a:endParaRPr lang="en-US"/>
           </a:p>
@@ -2489,7 +2831,7 @@
           <a:p>
             <a:fld id="{FC15DB8F-3731-704D-93DA-0A2191A2EC45}" type="datetimeFigureOut">
               <a:rPr lang="en-US" smtClean="0"/>
-              <a:t>8/22/20</a:t>
+              <a:t>8/23/20</a:t>
             </a:fld>
             <a:endParaRPr lang="en-US"/>
           </a:p>
@@ -2602,7 +2944,7 @@
           <a:p>
             <a:fld id="{FC15DB8F-3731-704D-93DA-0A2191A2EC45}" type="datetimeFigureOut">
               <a:rPr lang="en-US" smtClean="0"/>
-              <a:t>8/22/20</a:t>
+              <a:t>8/23/20</a:t>
             </a:fld>
             <a:endParaRPr lang="en-US"/>
           </a:p>
@@ -2913,7 +3255,7 @@
           <a:p>
             <a:fld id="{FC15DB8F-3731-704D-93DA-0A2191A2EC45}" type="datetimeFigureOut">
               <a:rPr lang="en-US" smtClean="0"/>
-              <a:t>8/22/20</a:t>
+              <a:t>8/23/20</a:t>
             </a:fld>
             <a:endParaRPr lang="en-US"/>
           </a:p>
@@ -3201,7 +3543,7 @@
           <a:p>
             <a:fld id="{FC15DB8F-3731-704D-93DA-0A2191A2EC45}" type="datetimeFigureOut">
               <a:rPr lang="en-US" smtClean="0"/>
-              <a:t>8/22/20</a:t>
+              <a:t>8/23/20</a:t>
             </a:fld>
             <a:endParaRPr lang="en-US"/>
           </a:p>
@@ -3442,7 +3784,7 @@
           <a:p>
             <a:fld id="{FC15DB8F-3731-704D-93DA-0A2191A2EC45}" type="datetimeFigureOut">
               <a:rPr lang="en-US" smtClean="0"/>
-              <a:t>8/22/20</a:t>
+              <a:t>8/23/20</a:t>
             </a:fld>
             <a:endParaRPr lang="en-US"/>
           </a:p>
@@ -3954,6 +4296,543 @@
           <p:cNvPr id="2" name="Title 1">
             <a:extLst>
               <a:ext uri="{FF2B5EF4-FFF2-40B4-BE49-F238E27FC236}">
+                <a16:creationId xmlns:a16="http://schemas.microsoft.com/office/drawing/2014/main" id="{435F3417-874D-5449-8230-D0E83CE05B82}"/>
+              </a:ext>
+            </a:extLst>
+          </p:cNvPr>
+          <p:cNvSpPr>
+            <a:spLocks noGrp="1"/>
+          </p:cNvSpPr>
+          <p:nvPr>
+            <p:ph type="title"/>
+          </p:nvPr>
+        </p:nvSpPr>
+        <p:spPr/>
+        <p:txBody>
+          <a:bodyPr/>
+          <a:lstStyle/>
+          <a:p>
+            <a:r>
+              <a:rPr lang="en-US" dirty="0"/>
+              <a:t>Stock Interface and </a:t>
+            </a:r>
+            <a:r>
+              <a:rPr lang="en-US" dirty="0" err="1"/>
+              <a:t>StockImpl</a:t>
+            </a:r>
+            <a:r>
+              <a:rPr lang="en-US" dirty="0"/>
+              <a:t> Class</a:t>
+            </a:r>
+          </a:p>
+        </p:txBody>
+      </p:sp>
+      <p:sp>
+        <p:nvSpPr>
+          <p:cNvPr id="3" name="Content Placeholder 2">
+            <a:extLst>
+              <a:ext uri="{FF2B5EF4-FFF2-40B4-BE49-F238E27FC236}">
+                <a16:creationId xmlns:a16="http://schemas.microsoft.com/office/drawing/2014/main" id="{193B63C8-0697-AF45-B11D-CAF85ACE63C6}"/>
+              </a:ext>
+            </a:extLst>
+          </p:cNvPr>
+          <p:cNvSpPr>
+            <a:spLocks noGrp="1"/>
+          </p:cNvSpPr>
+          <p:nvPr>
+            <p:ph idx="1"/>
+          </p:nvPr>
+        </p:nvSpPr>
+        <p:spPr/>
+        <p:txBody>
+          <a:bodyPr>
+            <a:normAutofit/>
+          </a:bodyPr>
+          <a:lstStyle/>
+          <a:p>
+            <a:r>
+              <a:rPr lang="en-US" dirty="0" err="1"/>
+              <a:t>StockImpl</a:t>
+            </a:r>
+            <a:r>
+              <a:rPr lang="en-US" dirty="0"/>
+              <a:t> implements the Stock Interface</a:t>
+            </a:r>
+          </a:p>
+          <a:p>
+            <a:endParaRPr lang="en-US" dirty="0"/>
+          </a:p>
+          <a:p>
+            <a:r>
+              <a:rPr lang="en-US" dirty="0"/>
+              <a:t>Go to the code</a:t>
+            </a:r>
+          </a:p>
+          <a:p>
+            <a:endParaRPr lang="en-US" dirty="0"/>
+          </a:p>
+        </p:txBody>
+      </p:sp>
+    </p:spTree>
+    <p:extLst>
+      <p:ext uri="{BB962C8B-B14F-4D97-AF65-F5344CB8AC3E}">
+        <p14:creationId xmlns:p14="http://schemas.microsoft.com/office/powerpoint/2010/main" val="456872245"/>
+      </p:ext>
+    </p:extLst>
+  </p:cSld>
+  <p:clrMapOvr>
+    <a:masterClrMapping/>
+  </p:clrMapOvr>
+</p:sld>
+</file>
+
+<file path=ppt/slides/slide11.xml><?xml version="1.0" encoding="utf-8"?>
+<p:sld xmlns:a="http://schemas.openxmlformats.org/drawingml/2006/main" xmlns:r="http://schemas.openxmlformats.org/officeDocument/2006/relationships" xmlns:p="http://schemas.openxmlformats.org/presentationml/2006/main">
+  <p:cSld>
+    <p:spTree>
+      <p:nvGrpSpPr>
+        <p:cNvPr id="1" name=""/>
+        <p:cNvGrpSpPr/>
+        <p:nvPr/>
+      </p:nvGrpSpPr>
+      <p:grpSpPr>
+        <a:xfrm>
+          <a:off x="0" y="0"/>
+          <a:ext cx="0" cy="0"/>
+          <a:chOff x="0" y="0"/>
+          <a:chExt cx="0" cy="0"/>
+        </a:xfrm>
+      </p:grpSpPr>
+      <p:sp>
+        <p:nvSpPr>
+          <p:cNvPr id="2" name="Title 1">
+            <a:extLst>
+              <a:ext uri="{FF2B5EF4-FFF2-40B4-BE49-F238E27FC236}">
+                <a16:creationId xmlns:a16="http://schemas.microsoft.com/office/drawing/2014/main" id="{F4141018-7408-1042-93EE-FF451AE7FFA6}"/>
+              </a:ext>
+            </a:extLst>
+          </p:cNvPr>
+          <p:cNvSpPr>
+            <a:spLocks noGrp="1"/>
+          </p:cNvSpPr>
+          <p:nvPr>
+            <p:ph type="title"/>
+          </p:nvPr>
+        </p:nvSpPr>
+        <p:spPr/>
+        <p:txBody>
+          <a:bodyPr/>
+          <a:lstStyle/>
+          <a:p>
+            <a:r>
+              <a:rPr lang="en-US" dirty="0"/>
+              <a:t>Stock Package and </a:t>
+            </a:r>
+            <a:r>
+              <a:rPr lang="en-US" dirty="0" err="1"/>
+              <a:t>StockModule</a:t>
+            </a:r>
+            <a:endParaRPr lang="en-US" dirty="0"/>
+          </a:p>
+        </p:txBody>
+      </p:sp>
+      <p:pic>
+        <p:nvPicPr>
+          <p:cNvPr id="14" name="Content Placeholder 13">
+            <a:extLst>
+              <a:ext uri="{FF2B5EF4-FFF2-40B4-BE49-F238E27FC236}">
+                <a16:creationId xmlns:a16="http://schemas.microsoft.com/office/drawing/2014/main" id="{CCDEC477-A75D-D04F-ACF5-A0056D910248}"/>
+              </a:ext>
+            </a:extLst>
+          </p:cNvPr>
+          <p:cNvPicPr>
+            <a:picLocks noGrp="1" noChangeAspect="1"/>
+          </p:cNvPicPr>
+          <p:nvPr>
+            <p:ph sz="half" idx="1"/>
+          </p:nvPr>
+        </p:nvPicPr>
+        <p:blipFill>
+          <a:blip r:embed="rId3"/>
+          <a:stretch>
+            <a:fillRect/>
+          </a:stretch>
+        </p:blipFill>
+        <p:spPr>
+          <a:xfrm>
+            <a:off x="581335" y="2291938"/>
+            <a:ext cx="4314927" cy="2561988"/>
+          </a:xfrm>
+        </p:spPr>
+      </p:pic>
+      <p:sp>
+        <p:nvSpPr>
+          <p:cNvPr id="12" name="Content Placeholder 11">
+            <a:extLst>
+              <a:ext uri="{FF2B5EF4-FFF2-40B4-BE49-F238E27FC236}">
+                <a16:creationId xmlns:a16="http://schemas.microsoft.com/office/drawing/2014/main" id="{5CD73320-9536-EF45-ABC3-5614B2079963}"/>
+              </a:ext>
+            </a:extLst>
+          </p:cNvPr>
+          <p:cNvSpPr>
+            <a:spLocks noGrp="1"/>
+          </p:cNvSpPr>
+          <p:nvPr>
+            <p:ph sz="half" idx="2"/>
+          </p:nvPr>
+        </p:nvSpPr>
+        <p:spPr/>
+        <p:txBody>
+          <a:bodyPr/>
+          <a:lstStyle/>
+          <a:p>
+            <a:endParaRPr lang="en-US" dirty="0"/>
+          </a:p>
+        </p:txBody>
+      </p:sp>
+      <p:cxnSp>
+        <p:nvCxnSpPr>
+          <p:cNvPr id="15" name="Straight Arrow Connector 14">
+            <a:extLst>
+              <a:ext uri="{FF2B5EF4-FFF2-40B4-BE49-F238E27FC236}">
+                <a16:creationId xmlns:a16="http://schemas.microsoft.com/office/drawing/2014/main" id="{14FBD437-80E3-084D-9041-D49C72636406}"/>
+              </a:ext>
+            </a:extLst>
+          </p:cNvPr>
+          <p:cNvCxnSpPr>
+            <a:cxnSpLocks/>
+          </p:cNvCxnSpPr>
+          <p:nvPr/>
+        </p:nvCxnSpPr>
+        <p:spPr>
+          <a:xfrm flipH="1">
+            <a:off x="3859479" y="4690753"/>
+            <a:ext cx="2834640" cy="0"/>
+          </a:xfrm>
+          <a:prstGeom prst="straightConnector1">
+            <a:avLst/>
+          </a:prstGeom>
+          <a:ln w="104775">
+            <a:solidFill>
+              <a:srgbClr val="FF0000"/>
+            </a:solidFill>
+            <a:tailEnd type="triangle"/>
+          </a:ln>
+        </p:spPr>
+        <p:style>
+          <a:lnRef idx="1">
+            <a:schemeClr val="accent1"/>
+          </a:lnRef>
+          <a:fillRef idx="0">
+            <a:schemeClr val="accent1"/>
+          </a:fillRef>
+          <a:effectRef idx="0">
+            <a:schemeClr val="accent1"/>
+          </a:effectRef>
+          <a:fontRef idx="minor">
+            <a:schemeClr val="tx1"/>
+          </a:fontRef>
+        </p:style>
+      </p:cxnSp>
+      <p:sp>
+        <p:nvSpPr>
+          <p:cNvPr id="16" name="TextBox 15">
+            <a:extLst>
+              <a:ext uri="{FF2B5EF4-FFF2-40B4-BE49-F238E27FC236}">
+                <a16:creationId xmlns:a16="http://schemas.microsoft.com/office/drawing/2014/main" id="{28D9F346-8EBC-E44A-90A1-E648BFA8CA8E}"/>
+              </a:ext>
+            </a:extLst>
+          </p:cNvPr>
+          <p:cNvSpPr txBox="1"/>
+          <p:nvPr/>
+        </p:nvSpPr>
+        <p:spPr>
+          <a:xfrm>
+            <a:off x="6694119" y="4459920"/>
+            <a:ext cx="3074456" cy="461665"/>
+          </a:xfrm>
+          <a:prstGeom prst="rect">
+            <a:avLst/>
+          </a:prstGeom>
+          <a:noFill/>
+        </p:spPr>
+        <p:txBody>
+          <a:bodyPr wrap="square" rtlCol="0">
+            <a:spAutoFit/>
+          </a:bodyPr>
+          <a:lstStyle/>
+          <a:p>
+            <a:r>
+              <a:rPr lang="en-US" sz="2400" dirty="0"/>
+              <a:t>Used for </a:t>
+            </a:r>
+            <a:r>
+              <a:rPr lang="en-US" sz="2400" dirty="0" err="1"/>
+              <a:t>Guice</a:t>
+            </a:r>
+            <a:r>
+              <a:rPr lang="en-US" sz="2400" dirty="0"/>
+              <a:t> binding</a:t>
+            </a:r>
+          </a:p>
+        </p:txBody>
+      </p:sp>
+      <p:cxnSp>
+        <p:nvCxnSpPr>
+          <p:cNvPr id="21" name="Straight Arrow Connector 20">
+            <a:extLst>
+              <a:ext uri="{FF2B5EF4-FFF2-40B4-BE49-F238E27FC236}">
+                <a16:creationId xmlns:a16="http://schemas.microsoft.com/office/drawing/2014/main" id="{48FA2DCD-E759-9643-A74F-EA60F731D615}"/>
+              </a:ext>
+            </a:extLst>
+          </p:cNvPr>
+          <p:cNvCxnSpPr>
+            <a:cxnSpLocks/>
+          </p:cNvCxnSpPr>
+          <p:nvPr/>
+        </p:nvCxnSpPr>
+        <p:spPr>
+          <a:xfrm flipH="1">
+            <a:off x="4332513" y="3596128"/>
+            <a:ext cx="2834640" cy="0"/>
+          </a:xfrm>
+          <a:prstGeom prst="straightConnector1">
+            <a:avLst/>
+          </a:prstGeom>
+          <a:ln w="104775">
+            <a:solidFill>
+              <a:srgbClr val="00B050"/>
+            </a:solidFill>
+            <a:tailEnd type="triangle"/>
+          </a:ln>
+        </p:spPr>
+        <p:style>
+          <a:lnRef idx="1">
+            <a:schemeClr val="accent1"/>
+          </a:lnRef>
+          <a:fillRef idx="0">
+            <a:schemeClr val="accent1"/>
+          </a:fillRef>
+          <a:effectRef idx="0">
+            <a:schemeClr val="accent1"/>
+          </a:effectRef>
+          <a:fontRef idx="minor">
+            <a:schemeClr val="tx1"/>
+          </a:fontRef>
+        </p:style>
+      </p:cxnSp>
+      <p:sp>
+        <p:nvSpPr>
+          <p:cNvPr id="22" name="TextBox 21">
+            <a:extLst>
+              <a:ext uri="{FF2B5EF4-FFF2-40B4-BE49-F238E27FC236}">
+                <a16:creationId xmlns:a16="http://schemas.microsoft.com/office/drawing/2014/main" id="{272EE2D3-7DAA-074E-BCBF-1A47D1017782}"/>
+              </a:ext>
+            </a:extLst>
+          </p:cNvPr>
+          <p:cNvSpPr txBox="1"/>
+          <p:nvPr/>
+        </p:nvSpPr>
+        <p:spPr>
+          <a:xfrm>
+            <a:off x="7167153" y="3365295"/>
+            <a:ext cx="4770252" cy="461665"/>
+          </a:xfrm>
+          <a:prstGeom prst="rect">
+            <a:avLst/>
+          </a:prstGeom>
+          <a:noFill/>
+        </p:spPr>
+        <p:txBody>
+          <a:bodyPr wrap="square" rtlCol="0">
+            <a:spAutoFit/>
+          </a:bodyPr>
+          <a:lstStyle/>
+          <a:p>
+            <a:r>
+              <a:rPr lang="en-US" sz="2400" dirty="0"/>
+              <a:t>Stock Factory to create Stock objects</a:t>
+            </a:r>
+          </a:p>
+        </p:txBody>
+      </p:sp>
+    </p:spTree>
+    <p:extLst>
+      <p:ext uri="{BB962C8B-B14F-4D97-AF65-F5344CB8AC3E}">
+        <p14:creationId xmlns:p14="http://schemas.microsoft.com/office/powerpoint/2010/main" val="2759501662"/>
+      </p:ext>
+    </p:extLst>
+  </p:cSld>
+  <p:clrMapOvr>
+    <a:masterClrMapping/>
+  </p:clrMapOvr>
+</p:sld>
+</file>
+
+<file path=ppt/slides/slide12.xml><?xml version="1.0" encoding="utf-8"?>
+<p:sld xmlns:a="http://schemas.openxmlformats.org/drawingml/2006/main" xmlns:r="http://schemas.openxmlformats.org/officeDocument/2006/relationships" xmlns:p="http://schemas.openxmlformats.org/presentationml/2006/main">
+  <p:cSld>
+    <p:spTree>
+      <p:nvGrpSpPr>
+        <p:cNvPr id="1" name=""/>
+        <p:cNvGrpSpPr/>
+        <p:nvPr/>
+      </p:nvGrpSpPr>
+      <p:grpSpPr>
+        <a:xfrm>
+          <a:off x="0" y="0"/>
+          <a:ext cx="0" cy="0"/>
+          <a:chOff x="0" y="0"/>
+          <a:chExt cx="0" cy="0"/>
+        </a:xfrm>
+      </p:grpSpPr>
+      <p:sp>
+        <p:nvSpPr>
+          <p:cNvPr id="2" name="Title 1">
+            <a:extLst>
+              <a:ext uri="{FF2B5EF4-FFF2-40B4-BE49-F238E27FC236}">
+                <a16:creationId xmlns:a16="http://schemas.microsoft.com/office/drawing/2014/main" id="{22D27E57-9837-2742-852B-36AACE27C021}"/>
+              </a:ext>
+            </a:extLst>
+          </p:cNvPr>
+          <p:cNvSpPr>
+            <a:spLocks noGrp="1"/>
+          </p:cNvSpPr>
+          <p:nvPr>
+            <p:ph type="title"/>
+          </p:nvPr>
+        </p:nvSpPr>
+        <p:spPr/>
+        <p:txBody>
+          <a:bodyPr/>
+          <a:lstStyle/>
+          <a:p>
+            <a:r>
+              <a:rPr lang="en-US" dirty="0" err="1"/>
+              <a:t>StockModule</a:t>
+            </a:r>
+            <a:r>
+              <a:rPr lang="en-US" dirty="0"/>
+              <a:t> and </a:t>
+            </a:r>
+            <a:r>
+              <a:rPr lang="en-US" dirty="0" err="1"/>
+              <a:t>StockFactory</a:t>
+            </a:r>
+            <a:endParaRPr lang="en-US" dirty="0"/>
+          </a:p>
+        </p:txBody>
+      </p:sp>
+      <p:sp>
+        <p:nvSpPr>
+          <p:cNvPr id="3" name="Content Placeholder 2">
+            <a:extLst>
+              <a:ext uri="{FF2B5EF4-FFF2-40B4-BE49-F238E27FC236}">
+                <a16:creationId xmlns:a16="http://schemas.microsoft.com/office/drawing/2014/main" id="{A8631E14-E3C6-CD43-B94D-C079FA3E03C8}"/>
+              </a:ext>
+            </a:extLst>
+          </p:cNvPr>
+          <p:cNvSpPr>
+            <a:spLocks noGrp="1"/>
+          </p:cNvSpPr>
+          <p:nvPr>
+            <p:ph idx="1"/>
+          </p:nvPr>
+        </p:nvSpPr>
+        <p:spPr/>
+        <p:txBody>
+          <a:bodyPr/>
+          <a:lstStyle/>
+          <a:p>
+            <a:r>
+              <a:rPr lang="en-US" dirty="0"/>
+              <a:t>Both are required by </a:t>
+            </a:r>
+            <a:r>
+              <a:rPr lang="en-US" dirty="0" err="1"/>
+              <a:t>Guice</a:t>
+            </a:r>
+            <a:endParaRPr lang="en-US" dirty="0"/>
+          </a:p>
+          <a:p>
+            <a:endParaRPr lang="en-US" dirty="0"/>
+          </a:p>
+          <a:p>
+            <a:r>
+              <a:rPr lang="en-US" dirty="0"/>
+              <a:t>Inject a </a:t>
+            </a:r>
+            <a:r>
+              <a:rPr lang="en-US" dirty="0" err="1"/>
+              <a:t>StockManager</a:t>
+            </a:r>
+            <a:r>
+              <a:rPr lang="en-US" dirty="0"/>
+              <a:t> Instance to every </a:t>
+            </a:r>
+            <a:r>
+              <a:rPr lang="en-US" dirty="0" err="1"/>
+              <a:t>StockImpl</a:t>
+            </a:r>
+            <a:r>
+              <a:rPr lang="en-US" dirty="0"/>
+              <a:t> Object</a:t>
+            </a:r>
+          </a:p>
+          <a:p>
+            <a:endParaRPr lang="en-US" dirty="0"/>
+          </a:p>
+          <a:p>
+            <a:r>
+              <a:rPr lang="en-US" dirty="0"/>
+              <a:t>Follow </a:t>
+            </a:r>
+            <a:r>
+              <a:rPr lang="en-US" dirty="0" err="1"/>
+              <a:t>Guice’s</a:t>
+            </a:r>
+            <a:r>
+              <a:rPr lang="en-US" dirty="0"/>
+              <a:t> requirements</a:t>
+            </a:r>
+          </a:p>
+        </p:txBody>
+      </p:sp>
+    </p:spTree>
+    <p:extLst>
+      <p:ext uri="{BB962C8B-B14F-4D97-AF65-F5344CB8AC3E}">
+        <p14:creationId xmlns:p14="http://schemas.microsoft.com/office/powerpoint/2010/main" val="1635699465"/>
+      </p:ext>
+    </p:extLst>
+  </p:cSld>
+  <p:clrMapOvr>
+    <a:masterClrMapping/>
+  </p:clrMapOvr>
+</p:sld>
+</file>
+
+<file path=ppt/slides/slide13.xml><?xml version="1.0" encoding="utf-8"?>
+<p:sld xmlns:a="http://schemas.openxmlformats.org/drawingml/2006/main" xmlns:r="http://schemas.openxmlformats.org/officeDocument/2006/relationships" xmlns:p="http://schemas.openxmlformats.org/presentationml/2006/main">
+  <p:cSld>
+    <p:spTree>
+      <p:nvGrpSpPr>
+        <p:cNvPr id="1" name=""/>
+        <p:cNvGrpSpPr/>
+        <p:nvPr/>
+      </p:nvGrpSpPr>
+      <p:grpSpPr>
+        <a:xfrm>
+          <a:off x="0" y="0"/>
+          <a:ext cx="0" cy="0"/>
+          <a:chOff x="0" y="0"/>
+          <a:chExt cx="0" cy="0"/>
+        </a:xfrm>
+      </p:grpSpPr>
+      <p:sp>
+        <p:nvSpPr>
+          <p:cNvPr id="2" name="Title 1">
+            <a:extLst>
+              <a:ext uri="{FF2B5EF4-FFF2-40B4-BE49-F238E27FC236}">
                 <a16:creationId xmlns:a16="http://schemas.microsoft.com/office/drawing/2014/main" id="{E91EAC46-2C4D-E643-846A-A4AD2E5DB2E2}"/>
               </a:ext>
             </a:extLst>
@@ -4519,7 +5398,175 @@
 </p:sld>
 </file>
 
-<file path=ppt/slides/slide11.xml><?xml version="1.0" encoding="utf-8"?>
+<file path=ppt/slides/slide14.xml><?xml version="1.0" encoding="utf-8"?>
+<p:sld xmlns:a="http://schemas.openxmlformats.org/drawingml/2006/main" xmlns:r="http://schemas.openxmlformats.org/officeDocument/2006/relationships" xmlns:p="http://schemas.openxmlformats.org/presentationml/2006/main">
+  <p:cSld>
+    <p:spTree>
+      <p:nvGrpSpPr>
+        <p:cNvPr id="1" name=""/>
+        <p:cNvGrpSpPr/>
+        <p:nvPr/>
+      </p:nvGrpSpPr>
+      <p:grpSpPr>
+        <a:xfrm>
+          <a:off x="0" y="0"/>
+          <a:ext cx="0" cy="0"/>
+          <a:chOff x="0" y="0"/>
+          <a:chExt cx="0" cy="0"/>
+        </a:xfrm>
+      </p:grpSpPr>
+      <p:sp>
+        <p:nvSpPr>
+          <p:cNvPr id="2" name="Title 1">
+            <a:extLst>
+              <a:ext uri="{FF2B5EF4-FFF2-40B4-BE49-F238E27FC236}">
+                <a16:creationId xmlns:a16="http://schemas.microsoft.com/office/drawing/2014/main" id="{E91EAC46-2C4D-E643-846A-A4AD2E5DB2E2}"/>
+              </a:ext>
+            </a:extLst>
+          </p:cNvPr>
+          <p:cNvSpPr>
+            <a:spLocks noGrp="1"/>
+          </p:cNvSpPr>
+          <p:nvPr>
+            <p:ph type="title"/>
+          </p:nvPr>
+        </p:nvSpPr>
+        <p:spPr/>
+        <p:txBody>
+          <a:bodyPr/>
+          <a:lstStyle/>
+          <a:p>
+            <a:r>
+              <a:rPr lang="en-US" dirty="0"/>
+              <a:t>Manager Package</a:t>
+            </a:r>
+          </a:p>
+        </p:txBody>
+      </p:sp>
+      <p:pic>
+        <p:nvPicPr>
+          <p:cNvPr id="5" name="Content Placeholder 4">
+            <a:extLst>
+              <a:ext uri="{FF2B5EF4-FFF2-40B4-BE49-F238E27FC236}">
+                <a16:creationId xmlns:a16="http://schemas.microsoft.com/office/drawing/2014/main" id="{92DC02DE-5183-BB49-993F-CC5EB990F31E}"/>
+              </a:ext>
+            </a:extLst>
+          </p:cNvPr>
+          <p:cNvPicPr>
+            <a:picLocks noGrp="1" noChangeAspect="1"/>
+          </p:cNvPicPr>
+          <p:nvPr>
+            <p:ph idx="1"/>
+          </p:nvPr>
+        </p:nvPicPr>
+        <p:blipFill>
+          <a:blip r:embed="rId2"/>
+          <a:stretch>
+            <a:fillRect/>
+          </a:stretch>
+        </p:blipFill>
+        <p:spPr>
+          <a:xfrm>
+            <a:off x="838200" y="2572873"/>
+            <a:ext cx="4492668" cy="1884022"/>
+          </a:xfrm>
+        </p:spPr>
+      </p:pic>
+      <p:cxnSp>
+        <p:nvCxnSpPr>
+          <p:cNvPr id="10" name="Straight Arrow Connector 9">
+            <a:extLst>
+              <a:ext uri="{FF2B5EF4-FFF2-40B4-BE49-F238E27FC236}">
+                <a16:creationId xmlns:a16="http://schemas.microsoft.com/office/drawing/2014/main" id="{DD3DD896-F9C3-6F4C-9028-0F6EECB20070}"/>
+              </a:ext>
+            </a:extLst>
+          </p:cNvPr>
+          <p:cNvCxnSpPr>
+            <a:cxnSpLocks/>
+          </p:cNvCxnSpPr>
+          <p:nvPr/>
+        </p:nvCxnSpPr>
+        <p:spPr>
+          <a:xfrm flipH="1">
+            <a:off x="4838404" y="3227132"/>
+            <a:ext cx="2834640" cy="0"/>
+          </a:xfrm>
+          <a:prstGeom prst="straightConnector1">
+            <a:avLst/>
+          </a:prstGeom>
+          <a:ln w="104775">
+            <a:solidFill>
+              <a:schemeClr val="accent2">
+                <a:lumMod val="75000"/>
+              </a:schemeClr>
+            </a:solidFill>
+            <a:tailEnd type="triangle"/>
+          </a:ln>
+        </p:spPr>
+        <p:style>
+          <a:lnRef idx="1">
+            <a:schemeClr val="accent1"/>
+          </a:lnRef>
+          <a:fillRef idx="0">
+            <a:schemeClr val="accent1"/>
+          </a:fillRef>
+          <a:effectRef idx="0">
+            <a:schemeClr val="accent1"/>
+          </a:effectRef>
+          <a:fontRef idx="minor">
+            <a:schemeClr val="tx1"/>
+          </a:fontRef>
+        </p:style>
+      </p:cxnSp>
+      <p:sp>
+        <p:nvSpPr>
+          <p:cNvPr id="11" name="TextBox 10">
+            <a:extLst>
+              <a:ext uri="{FF2B5EF4-FFF2-40B4-BE49-F238E27FC236}">
+                <a16:creationId xmlns:a16="http://schemas.microsoft.com/office/drawing/2014/main" id="{79AE643F-2F08-CB49-867F-52B8220D951A}"/>
+              </a:ext>
+            </a:extLst>
+          </p:cNvPr>
+          <p:cNvSpPr txBox="1"/>
+          <p:nvPr/>
+        </p:nvSpPr>
+        <p:spPr>
+          <a:xfrm>
+            <a:off x="7673044" y="2572873"/>
+            <a:ext cx="3680756" cy="830997"/>
+          </a:xfrm>
+          <a:prstGeom prst="rect">
+            <a:avLst/>
+          </a:prstGeom>
+          <a:noFill/>
+        </p:spPr>
+        <p:txBody>
+          <a:bodyPr wrap="square" rtlCol="0">
+            <a:spAutoFit/>
+          </a:bodyPr>
+          <a:lstStyle/>
+          <a:p>
+            <a:r>
+              <a:rPr lang="en-US" sz="2400" dirty="0"/>
+              <a:t>Includes functions to fetch Stock Price from Internet</a:t>
+            </a:r>
+          </a:p>
+        </p:txBody>
+      </p:sp>
+    </p:spTree>
+    <p:extLst>
+      <p:ext uri="{BB962C8B-B14F-4D97-AF65-F5344CB8AC3E}">
+        <p14:creationId xmlns:p14="http://schemas.microsoft.com/office/powerpoint/2010/main" val="3903514899"/>
+      </p:ext>
+    </p:extLst>
+  </p:cSld>
+  <p:clrMapOvr>
+    <a:masterClrMapping/>
+  </p:clrMapOvr>
+</p:sld>
+</file>
+
+<file path=ppt/slides/slide15.xml><?xml version="1.0" encoding="utf-8"?>
 <p:sld xmlns:a="http://schemas.openxmlformats.org/drawingml/2006/main" xmlns:r="http://schemas.openxmlformats.org/officeDocument/2006/relationships" xmlns:p="http://schemas.openxmlformats.org/presentationml/2006/main">
   <p:cSld>
     <p:spTree>
@@ -4691,7 +5738,7 @@
 </p:sld>
 </file>
 
-<file path=ppt/slides/slide12.xml><?xml version="1.0" encoding="utf-8"?>
+<file path=ppt/slides/slide16.xml><?xml version="1.0" encoding="utf-8"?>
 <p:sld xmlns:a="http://schemas.openxmlformats.org/drawingml/2006/main" xmlns:r="http://schemas.openxmlformats.org/officeDocument/2006/relationships" xmlns:p="http://schemas.openxmlformats.org/presentationml/2006/main">
   <p:cSld>
     <p:spTree>
@@ -4713,7 +5760,7 @@
           <p:cNvPr id="2" name="Title 1">
             <a:extLst>
               <a:ext uri="{FF2B5EF4-FFF2-40B4-BE49-F238E27FC236}">
-                <a16:creationId xmlns:a16="http://schemas.microsoft.com/office/drawing/2014/main" id="{E1C51047-9BFA-DF46-874C-A6925B72B2A1}"/>
+                <a16:creationId xmlns:a16="http://schemas.microsoft.com/office/drawing/2014/main" id="{E91EAC46-2C4D-E643-846A-A4AD2E5DB2E2}"/>
               </a:ext>
             </a:extLst>
           </p:cNvPr>
@@ -4730,50 +5777,213 @@
           <a:lstStyle/>
           <a:p>
             <a:r>
-              <a:rPr lang="en-US" dirty="0" err="1"/>
+              <a:rPr lang="en-US" dirty="0"/>
+              <a:t>Manager Package</a:t>
+            </a:r>
+          </a:p>
+        </p:txBody>
+      </p:sp>
+      <p:pic>
+        <p:nvPicPr>
+          <p:cNvPr id="5" name="Content Placeholder 4">
+            <a:extLst>
+              <a:ext uri="{FF2B5EF4-FFF2-40B4-BE49-F238E27FC236}">
+                <a16:creationId xmlns:a16="http://schemas.microsoft.com/office/drawing/2014/main" id="{92DC02DE-5183-BB49-993F-CC5EB990F31E}"/>
+              </a:ext>
+            </a:extLst>
+          </p:cNvPr>
+          <p:cNvPicPr>
+            <a:picLocks noGrp="1" noChangeAspect="1"/>
+          </p:cNvPicPr>
+          <p:nvPr>
+            <p:ph idx="1"/>
+          </p:nvPr>
+        </p:nvPicPr>
+        <p:blipFill>
+          <a:blip r:embed="rId2"/>
+          <a:stretch>
+            <a:fillRect/>
+          </a:stretch>
+        </p:blipFill>
+        <p:spPr>
+          <a:xfrm>
+            <a:off x="838200" y="2572873"/>
+            <a:ext cx="4492668" cy="1884022"/>
+          </a:xfrm>
+        </p:spPr>
+      </p:pic>
+      <p:cxnSp>
+        <p:nvCxnSpPr>
+          <p:cNvPr id="6" name="Straight Arrow Connector 5">
+            <a:extLst>
+              <a:ext uri="{FF2B5EF4-FFF2-40B4-BE49-F238E27FC236}">
+                <a16:creationId xmlns:a16="http://schemas.microsoft.com/office/drawing/2014/main" id="{D5376088-3367-2D48-84D9-80C173169CED}"/>
+              </a:ext>
+            </a:extLst>
+          </p:cNvPr>
+          <p:cNvCxnSpPr>
+            <a:cxnSpLocks/>
+          </p:cNvCxnSpPr>
+          <p:nvPr/>
+        </p:nvCxnSpPr>
+        <p:spPr>
+          <a:xfrm flipH="1">
+            <a:off x="4776718" y="3734716"/>
+            <a:ext cx="2834640" cy="0"/>
+          </a:xfrm>
+          <a:prstGeom prst="straightConnector1">
+            <a:avLst/>
+          </a:prstGeom>
+          <a:ln w="104775">
+            <a:solidFill>
+              <a:schemeClr val="accent2">
+                <a:lumMod val="75000"/>
+              </a:schemeClr>
+            </a:solidFill>
+            <a:tailEnd type="triangle"/>
+          </a:ln>
+        </p:spPr>
+        <p:style>
+          <a:lnRef idx="1">
+            <a:schemeClr val="accent1"/>
+          </a:lnRef>
+          <a:fillRef idx="0">
+            <a:schemeClr val="accent1"/>
+          </a:fillRef>
+          <a:effectRef idx="0">
+            <a:schemeClr val="accent1"/>
+          </a:effectRef>
+          <a:fontRef idx="minor">
+            <a:schemeClr val="tx1"/>
+          </a:fontRef>
+        </p:style>
+      </p:cxnSp>
+      <p:sp>
+        <p:nvSpPr>
+          <p:cNvPr id="7" name="TextBox 6">
+            <a:extLst>
+              <a:ext uri="{FF2B5EF4-FFF2-40B4-BE49-F238E27FC236}">
+                <a16:creationId xmlns:a16="http://schemas.microsoft.com/office/drawing/2014/main" id="{E48FF1BB-67A7-8A41-AC18-800E1DAD5006}"/>
+              </a:ext>
+            </a:extLst>
+          </p:cNvPr>
+          <p:cNvSpPr txBox="1"/>
+          <p:nvPr/>
+        </p:nvSpPr>
+        <p:spPr>
+          <a:xfrm>
+            <a:off x="7611358" y="3601885"/>
+            <a:ext cx="3680756" cy="830997"/>
+          </a:xfrm>
+          <a:prstGeom prst="rect">
+            <a:avLst/>
+          </a:prstGeom>
+          <a:noFill/>
+        </p:spPr>
+        <p:txBody>
+          <a:bodyPr wrap="square" rtlCol="0">
+            <a:spAutoFit/>
+          </a:bodyPr>
+          <a:lstStyle/>
+          <a:p>
+            <a:r>
+              <a:rPr lang="en-US" sz="2400" dirty="0"/>
+              <a:t>Defines an interface for </a:t>
+            </a:r>
+            <a:r>
+              <a:rPr lang="en-US" sz="2400" dirty="0" err="1"/>
               <a:t>StockManager</a:t>
             </a:r>
-            <a:r>
-              <a:rPr lang="en-US" dirty="0"/>
-              <a:t> and </a:t>
-            </a:r>
-            <a:r>
-              <a:rPr lang="en-US" dirty="0" err="1"/>
-              <a:t>StockManagetImpl</a:t>
-            </a:r>
-            <a:endParaRPr lang="en-US" dirty="0"/>
-          </a:p>
-        </p:txBody>
-      </p:sp>
-      <p:sp>
-        <p:nvSpPr>
-          <p:cNvPr id="3" name="Content Placeholder 2">
-            <a:extLst>
-              <a:ext uri="{FF2B5EF4-FFF2-40B4-BE49-F238E27FC236}">
-                <a16:creationId xmlns:a16="http://schemas.microsoft.com/office/drawing/2014/main" id="{3F9DC9B0-84BF-874E-87E4-597875D2656B}"/>
-              </a:ext>
-            </a:extLst>
-          </p:cNvPr>
-          <p:cNvSpPr>
-            <a:spLocks noGrp="1"/>
-          </p:cNvSpPr>
-          <p:nvPr>
-            <p:ph idx="1"/>
-          </p:nvPr>
-        </p:nvSpPr>
-        <p:spPr/>
-        <p:txBody>
-          <a:bodyPr/>
-          <a:lstStyle/>
-          <a:p>
-            <a:endParaRPr lang="en-US"/>
+            <a:endParaRPr lang="en-US" sz="2400" dirty="0"/>
+          </a:p>
+        </p:txBody>
+      </p:sp>
+      <p:cxnSp>
+        <p:nvCxnSpPr>
+          <p:cNvPr id="15" name="Elbow Connector 14">
+            <a:extLst>
+              <a:ext uri="{FF2B5EF4-FFF2-40B4-BE49-F238E27FC236}">
+                <a16:creationId xmlns:a16="http://schemas.microsoft.com/office/drawing/2014/main" id="{CBC34B02-750F-384F-9F5A-2614A7E493C6}"/>
+              </a:ext>
+            </a:extLst>
+          </p:cNvPr>
+          <p:cNvCxnSpPr/>
+          <p:nvPr/>
+        </p:nvCxnSpPr>
+        <p:spPr>
+          <a:xfrm rot="10800000">
+            <a:off x="5213268" y="4275118"/>
+            <a:ext cx="1458258" cy="674223"/>
+          </a:xfrm>
+          <a:prstGeom prst="bentConnector3">
+            <a:avLst/>
+          </a:prstGeom>
+          <a:ln w="104775">
+            <a:tailEnd type="triangle"/>
+          </a:ln>
+        </p:spPr>
+        <p:style>
+          <a:lnRef idx="1">
+            <a:schemeClr val="accent1"/>
+          </a:lnRef>
+          <a:fillRef idx="0">
+            <a:schemeClr val="accent1"/>
+          </a:fillRef>
+          <a:effectRef idx="0">
+            <a:schemeClr val="accent1"/>
+          </a:effectRef>
+          <a:fontRef idx="minor">
+            <a:schemeClr val="tx1"/>
+          </a:fontRef>
+        </p:style>
+      </p:cxnSp>
+      <p:sp>
+        <p:nvSpPr>
+          <p:cNvPr id="16" name="TextBox 15">
+            <a:extLst>
+              <a:ext uri="{FF2B5EF4-FFF2-40B4-BE49-F238E27FC236}">
+                <a16:creationId xmlns:a16="http://schemas.microsoft.com/office/drawing/2014/main" id="{B137130D-05A6-A848-B899-483FFF6740D4}"/>
+              </a:ext>
+            </a:extLst>
+          </p:cNvPr>
+          <p:cNvSpPr txBox="1"/>
+          <p:nvPr/>
+        </p:nvSpPr>
+        <p:spPr>
+          <a:xfrm>
+            <a:off x="6828502" y="4763729"/>
+            <a:ext cx="4525297" cy="954107"/>
+          </a:xfrm>
+          <a:prstGeom prst="rect">
+            <a:avLst/>
+          </a:prstGeom>
+          <a:noFill/>
+        </p:spPr>
+        <p:txBody>
+          <a:bodyPr wrap="square" rtlCol="0">
+            <a:spAutoFit/>
+          </a:bodyPr>
+          <a:lstStyle/>
+          <a:p>
+            <a:r>
+              <a:rPr lang="en-US" sz="2800" dirty="0"/>
+              <a:t>A Singleton Class implements the </a:t>
+            </a:r>
+            <a:r>
+              <a:rPr lang="en-US" sz="2800" dirty="0" err="1"/>
+              <a:t>StockManager</a:t>
+            </a:r>
+            <a:r>
+              <a:rPr lang="en-US" sz="2800" dirty="0"/>
+              <a:t> Interface</a:t>
+            </a:r>
           </a:p>
         </p:txBody>
       </p:sp>
     </p:spTree>
     <p:extLst>
       <p:ext uri="{BB962C8B-B14F-4D97-AF65-F5344CB8AC3E}">
-        <p14:creationId xmlns:p14="http://schemas.microsoft.com/office/powerpoint/2010/main" val="2293960601"/>
+        <p14:creationId xmlns:p14="http://schemas.microsoft.com/office/powerpoint/2010/main" val="3194125628"/>
       </p:ext>
     </p:extLst>
   </p:cSld>
@@ -4783,7 +5993,7 @@
 </p:sld>
 </file>
 
-<file path=ppt/slides/slide13.xml><?xml version="1.0" encoding="utf-8"?>
+<file path=ppt/slides/slide17.xml><?xml version="1.0" encoding="utf-8"?>
 <p:sld xmlns:a="http://schemas.openxmlformats.org/drawingml/2006/main" xmlns:r="http://schemas.openxmlformats.org/officeDocument/2006/relationships" xmlns:p="http://schemas.openxmlformats.org/presentationml/2006/main">
   <p:cSld>
     <p:spTree>
@@ -4805,7 +6015,7 @@
           <p:cNvPr id="2" name="Title 1">
             <a:extLst>
               <a:ext uri="{FF2B5EF4-FFF2-40B4-BE49-F238E27FC236}">
-                <a16:creationId xmlns:a16="http://schemas.microsoft.com/office/drawing/2014/main" id="{24885397-876B-5840-A9A7-D8DA1A6676C0}"/>
+                <a16:creationId xmlns:a16="http://schemas.microsoft.com/office/drawing/2014/main" id="{E1C51047-9BFA-DF46-874C-A6925B72B2A1}"/>
               </a:ext>
             </a:extLst>
           </p:cNvPr>
@@ -4823,54 +6033,451 @@
           <a:p>
             <a:r>
               <a:rPr lang="en-US" dirty="0" err="1"/>
-              <a:t>Functions.java</a:t>
+              <a:t>StockManager</a:t>
             </a:r>
             <a:r>
               <a:rPr lang="en-US" dirty="0"/>
-              <a:t> – some functions to investigate our stocks </a:t>
-            </a:r>
-          </a:p>
-        </p:txBody>
-      </p:sp>
-      <p:sp>
-        <p:nvSpPr>
-          <p:cNvPr id="3" name="Content Placeholder 2">
-            <a:extLst>
-              <a:ext uri="{FF2B5EF4-FFF2-40B4-BE49-F238E27FC236}">
-                <a16:creationId xmlns:a16="http://schemas.microsoft.com/office/drawing/2014/main" id="{CDC53017-C694-5D4C-B774-CF249ED46CCB}"/>
-              </a:ext>
-            </a:extLst>
-          </p:cNvPr>
-          <p:cNvSpPr>
-            <a:spLocks noGrp="1"/>
-          </p:cNvSpPr>
+              <a:t> and </a:t>
+            </a:r>
+            <a:r>
+              <a:rPr lang="en-US" dirty="0" err="1"/>
+              <a:t>StockManagerImpl</a:t>
+            </a:r>
+            <a:endParaRPr lang="en-US" dirty="0"/>
+          </a:p>
+        </p:txBody>
+      </p:sp>
+      <p:pic>
+        <p:nvPicPr>
+          <p:cNvPr id="9" name="Content Placeholder 8">
+            <a:extLst>
+              <a:ext uri="{FF2B5EF4-FFF2-40B4-BE49-F238E27FC236}">
+                <a16:creationId xmlns:a16="http://schemas.microsoft.com/office/drawing/2014/main" id="{B3476C79-81E3-8F46-A0DC-C680DB4EC81C}"/>
+              </a:ext>
+            </a:extLst>
+          </p:cNvPr>
+          <p:cNvPicPr>
+            <a:picLocks noGrp="1" noChangeAspect="1"/>
+          </p:cNvPicPr>
           <p:nvPr>
             <p:ph idx="1"/>
           </p:nvPr>
-        </p:nvSpPr>
-        <p:spPr/>
-        <p:txBody>
-          <a:bodyPr/>
-          <a:lstStyle/>
-          <a:p>
-            <a:endParaRPr lang="en-US" dirty="0"/>
+        </p:nvPicPr>
+        <p:blipFill>
+          <a:blip r:embed="rId2"/>
+          <a:stretch>
+            <a:fillRect/>
+          </a:stretch>
+        </p:blipFill>
+        <p:spPr>
+          <a:xfrm>
+            <a:off x="838200" y="2722964"/>
+            <a:ext cx="6614384" cy="649627"/>
+          </a:xfrm>
+        </p:spPr>
+      </p:pic>
+      <p:sp>
+        <p:nvSpPr>
+          <p:cNvPr id="10" name="TextBox 9">
+            <a:extLst>
+              <a:ext uri="{FF2B5EF4-FFF2-40B4-BE49-F238E27FC236}">
+                <a16:creationId xmlns:a16="http://schemas.microsoft.com/office/drawing/2014/main" id="{6DFD6E57-B1A2-DD47-9EA6-65ED809AD29E}"/>
+              </a:ext>
+            </a:extLst>
+          </p:cNvPr>
+          <p:cNvSpPr txBox="1"/>
+          <p:nvPr/>
+        </p:nvSpPr>
+        <p:spPr>
+          <a:xfrm>
+            <a:off x="838200" y="1945216"/>
+            <a:ext cx="6614384" cy="523220"/>
+          </a:xfrm>
+          <a:prstGeom prst="rect">
+            <a:avLst/>
+          </a:prstGeom>
+          <a:noFill/>
+        </p:spPr>
+        <p:txBody>
+          <a:bodyPr wrap="square" rtlCol="0">
+            <a:spAutoFit/>
+          </a:bodyPr>
+          <a:lstStyle/>
+          <a:p>
+            <a:r>
+              <a:rPr lang="en-US" sz="2800" dirty="0" err="1"/>
+              <a:t>StockManagerImpl</a:t>
+            </a:r>
+            <a:r>
+              <a:rPr lang="en-US" sz="2800" dirty="0"/>
+              <a:t> only contains one field:</a:t>
+            </a:r>
+          </a:p>
+        </p:txBody>
+      </p:sp>
+      <p:cxnSp>
+        <p:nvCxnSpPr>
+          <p:cNvPr id="12" name="Straight Arrow Connector 11">
+            <a:extLst>
+              <a:ext uri="{FF2B5EF4-FFF2-40B4-BE49-F238E27FC236}">
+                <a16:creationId xmlns:a16="http://schemas.microsoft.com/office/drawing/2014/main" id="{CFC063DA-A2CF-6845-BDE1-332F5D97B189}"/>
+              </a:ext>
+            </a:extLst>
+          </p:cNvPr>
+          <p:cNvCxnSpPr>
+            <a:cxnSpLocks/>
+            <a:endCxn id="9" idx="2"/>
+          </p:cNvCxnSpPr>
+          <p:nvPr/>
+        </p:nvCxnSpPr>
+        <p:spPr>
+          <a:xfrm flipV="1">
+            <a:off x="4145392" y="3372591"/>
+            <a:ext cx="0" cy="904441"/>
+          </a:xfrm>
+          <a:prstGeom prst="straightConnector1">
+            <a:avLst/>
+          </a:prstGeom>
+          <a:ln w="120650">
+            <a:tailEnd type="triangle"/>
+          </a:ln>
+        </p:spPr>
+        <p:style>
+          <a:lnRef idx="1">
+            <a:schemeClr val="accent1"/>
+          </a:lnRef>
+          <a:fillRef idx="0">
+            <a:schemeClr val="accent1"/>
+          </a:fillRef>
+          <a:effectRef idx="0">
+            <a:schemeClr val="accent1"/>
+          </a:effectRef>
+          <a:fontRef idx="minor">
+            <a:schemeClr val="tx1"/>
+          </a:fontRef>
+        </p:style>
+      </p:cxnSp>
+      <p:sp>
+        <p:nvSpPr>
+          <p:cNvPr id="15" name="TextBox 14">
+            <a:extLst>
+              <a:ext uri="{FF2B5EF4-FFF2-40B4-BE49-F238E27FC236}">
+                <a16:creationId xmlns:a16="http://schemas.microsoft.com/office/drawing/2014/main" id="{C3E70F0F-4664-764F-873E-D8F986D1550F}"/>
+              </a:ext>
+            </a:extLst>
+          </p:cNvPr>
+          <p:cNvSpPr txBox="1"/>
+          <p:nvPr/>
+        </p:nvSpPr>
+        <p:spPr>
+          <a:xfrm>
+            <a:off x="1104405" y="4429496"/>
+            <a:ext cx="7493330" cy="1569660"/>
+          </a:xfrm>
+          <a:prstGeom prst="rect">
+            <a:avLst/>
+          </a:prstGeom>
+          <a:noFill/>
+        </p:spPr>
+        <p:txBody>
+          <a:bodyPr wrap="square" rtlCol="0">
+            <a:spAutoFit/>
+          </a:bodyPr>
+          <a:lstStyle/>
+          <a:p>
+            <a:r>
+              <a:rPr lang="en-US" sz="2400" dirty="0"/>
+              <a:t>This field contains a &lt;Ticker, Prices&gt; pair</a:t>
+            </a:r>
+          </a:p>
+          <a:p>
+            <a:r>
+              <a:rPr lang="en-US" sz="2400" dirty="0"/>
+              <a:t>Example:</a:t>
+            </a:r>
+          </a:p>
+          <a:p>
+            <a:r>
+              <a:rPr lang="en-US" sz="2400" dirty="0"/>
+              <a:t>&lt;“FB”,           “2020-08-01:10,   2020-08-02:20,  …”&gt;</a:t>
+            </a:r>
+          </a:p>
+          <a:p>
+            <a:r>
+              <a:rPr lang="en-US" sz="2400" dirty="0"/>
+              <a:t>&lt;“AMAZ”,     “2020-08-01:20,   2020-08-02:40,  …” &gt;</a:t>
+            </a:r>
+          </a:p>
+        </p:txBody>
+      </p:sp>
+      <p:cxnSp>
+        <p:nvCxnSpPr>
+          <p:cNvPr id="17" name="Straight Arrow Connector 16">
+            <a:extLst>
+              <a:ext uri="{FF2B5EF4-FFF2-40B4-BE49-F238E27FC236}">
+                <a16:creationId xmlns:a16="http://schemas.microsoft.com/office/drawing/2014/main" id="{7CFF9040-2EB1-6E45-8EF1-5070966637ED}"/>
+              </a:ext>
+            </a:extLst>
+          </p:cNvPr>
+          <p:cNvCxnSpPr>
+            <a:cxnSpLocks/>
+          </p:cNvCxnSpPr>
+          <p:nvPr/>
+        </p:nvCxnSpPr>
+        <p:spPr>
+          <a:xfrm flipH="1">
+            <a:off x="7588334" y="2992582"/>
+            <a:ext cx="877240" cy="0"/>
+          </a:xfrm>
+          <a:prstGeom prst="straightConnector1">
+            <a:avLst/>
+          </a:prstGeom>
+          <a:ln w="107950">
+            <a:tailEnd type="triangle"/>
+          </a:ln>
+        </p:spPr>
+        <p:style>
+          <a:lnRef idx="1">
+            <a:schemeClr val="accent1"/>
+          </a:lnRef>
+          <a:fillRef idx="0">
+            <a:schemeClr val="accent1"/>
+          </a:fillRef>
+          <a:effectRef idx="0">
+            <a:schemeClr val="accent1"/>
+          </a:effectRef>
+          <a:fontRef idx="minor">
+            <a:schemeClr val="tx1"/>
+          </a:fontRef>
+        </p:style>
+      </p:cxnSp>
+      <p:sp>
+        <p:nvSpPr>
+          <p:cNvPr id="20" name="TextBox 19">
+            <a:extLst>
+              <a:ext uri="{FF2B5EF4-FFF2-40B4-BE49-F238E27FC236}">
+                <a16:creationId xmlns:a16="http://schemas.microsoft.com/office/drawing/2014/main" id="{9623B2D1-13F1-1E4F-A5B7-1E2C1E74B724}"/>
+              </a:ext>
+            </a:extLst>
+          </p:cNvPr>
+          <p:cNvSpPr txBox="1"/>
+          <p:nvPr/>
+        </p:nvSpPr>
+        <p:spPr>
+          <a:xfrm>
+            <a:off x="8465574" y="2327564"/>
+            <a:ext cx="2744732" cy="1200329"/>
+          </a:xfrm>
+          <a:prstGeom prst="rect">
+            <a:avLst/>
+          </a:prstGeom>
+          <a:noFill/>
+        </p:spPr>
+        <p:txBody>
+          <a:bodyPr wrap="square" rtlCol="0">
+            <a:spAutoFit/>
+          </a:bodyPr>
+          <a:lstStyle/>
+          <a:p>
+            <a:r>
+              <a:rPr lang="en-US" sz="2400" dirty="0"/>
+              <a:t>This is where we store all stock prices in the memory</a:t>
+            </a:r>
           </a:p>
         </p:txBody>
       </p:sp>
     </p:spTree>
     <p:extLst>
       <p:ext uri="{BB962C8B-B14F-4D97-AF65-F5344CB8AC3E}">
-        <p14:creationId xmlns:p14="http://schemas.microsoft.com/office/powerpoint/2010/main" val="2403922141"/>
+        <p14:creationId xmlns:p14="http://schemas.microsoft.com/office/powerpoint/2010/main" val="2293960601"/>
       </p:ext>
     </p:extLst>
   </p:cSld>
   <p:clrMapOvr>
     <a:masterClrMapping/>
   </p:clrMapOvr>
+  <p:timing>
+    <p:tnLst>
+      <p:par>
+        <p:cTn id="1" dur="indefinite" restart="never" nodeType="tmRoot">
+          <p:childTnLst>
+            <p:seq concurrent="1" nextAc="seek">
+              <p:cTn id="2" dur="indefinite" nodeType="mainSeq">
+                <p:childTnLst>
+                  <p:par>
+                    <p:cTn id="3" fill="hold">
+                      <p:stCondLst>
+                        <p:cond delay="indefinite"/>
+                      </p:stCondLst>
+                      <p:childTnLst>
+                        <p:par>
+                          <p:cTn id="4" fill="hold">
+                            <p:stCondLst>
+                              <p:cond delay="0"/>
+                            </p:stCondLst>
+                            <p:childTnLst>
+                              <p:par>
+                                <p:cTn id="5" presetID="1" presetClass="entr" presetSubtype="0" fill="hold" nodeType="clickEffect">
+                                  <p:stCondLst>
+                                    <p:cond delay="0"/>
+                                  </p:stCondLst>
+                                  <p:childTnLst>
+                                    <p:set>
+                                      <p:cBhvr>
+                                        <p:cTn id="6" dur="1" fill="hold">
+                                          <p:stCondLst>
+                                            <p:cond delay="0"/>
+                                          </p:stCondLst>
+                                        </p:cTn>
+                                        <p:tgtEl>
+                                          <p:spTgt spid="17"/>
+                                        </p:tgtEl>
+                                        <p:attrNameLst>
+                                          <p:attrName>style.visibility</p:attrName>
+                                        </p:attrNameLst>
+                                      </p:cBhvr>
+                                      <p:to>
+                                        <p:strVal val="visible"/>
+                                      </p:to>
+                                    </p:set>
+                                  </p:childTnLst>
+                                </p:cTn>
+                              </p:par>
+                              <p:par>
+                                <p:cTn id="7" presetID="1" presetClass="entr" presetSubtype="0" fill="hold" grpId="0" nodeType="withEffect">
+                                  <p:stCondLst>
+                                    <p:cond delay="0"/>
+                                  </p:stCondLst>
+                                  <p:childTnLst>
+                                    <p:set>
+                                      <p:cBhvr>
+                                        <p:cTn id="8" dur="1" fill="hold">
+                                          <p:stCondLst>
+                                            <p:cond delay="0"/>
+                                          </p:stCondLst>
+                                        </p:cTn>
+                                        <p:tgtEl>
+                                          <p:spTgt spid="20"/>
+                                        </p:tgtEl>
+                                        <p:attrNameLst>
+                                          <p:attrName>style.visibility</p:attrName>
+                                        </p:attrNameLst>
+                                      </p:cBhvr>
+                                      <p:to>
+                                        <p:strVal val="visible"/>
+                                      </p:to>
+                                    </p:set>
+                                  </p:childTnLst>
+                                </p:cTn>
+                              </p:par>
+                            </p:childTnLst>
+                          </p:cTn>
+                        </p:par>
+                      </p:childTnLst>
+                    </p:cTn>
+                  </p:par>
+                  <p:par>
+                    <p:cTn id="9" fill="hold">
+                      <p:stCondLst>
+                        <p:cond delay="indefinite"/>
+                      </p:stCondLst>
+                      <p:childTnLst>
+                        <p:par>
+                          <p:cTn id="10" fill="hold">
+                            <p:stCondLst>
+                              <p:cond delay="0"/>
+                            </p:stCondLst>
+                            <p:childTnLst>
+                              <p:par>
+                                <p:cTn id="11" presetID="1" presetClass="entr" presetSubtype="0" fill="hold" nodeType="clickEffect">
+                                  <p:stCondLst>
+                                    <p:cond delay="0"/>
+                                  </p:stCondLst>
+                                  <p:childTnLst>
+                                    <p:set>
+                                      <p:cBhvr>
+                                        <p:cTn id="12" dur="1" fill="hold">
+                                          <p:stCondLst>
+                                            <p:cond delay="0"/>
+                                          </p:stCondLst>
+                                        </p:cTn>
+                                        <p:tgtEl>
+                                          <p:spTgt spid="12"/>
+                                        </p:tgtEl>
+                                        <p:attrNameLst>
+                                          <p:attrName>style.visibility</p:attrName>
+                                        </p:attrNameLst>
+                                      </p:cBhvr>
+                                      <p:to>
+                                        <p:strVal val="visible"/>
+                                      </p:to>
+                                    </p:set>
+                                  </p:childTnLst>
+                                </p:cTn>
+                              </p:par>
+                              <p:par>
+                                <p:cTn id="13" presetID="1" presetClass="entr" presetSubtype="0" fill="hold" grpId="0" nodeType="withEffect">
+                                  <p:stCondLst>
+                                    <p:cond delay="0"/>
+                                  </p:stCondLst>
+                                  <p:childTnLst>
+                                    <p:set>
+                                      <p:cBhvr>
+                                        <p:cTn id="14" dur="1" fill="hold">
+                                          <p:stCondLst>
+                                            <p:cond delay="0"/>
+                                          </p:stCondLst>
+                                        </p:cTn>
+                                        <p:tgtEl>
+                                          <p:spTgt spid="15"/>
+                                        </p:tgtEl>
+                                        <p:attrNameLst>
+                                          <p:attrName>style.visibility</p:attrName>
+                                        </p:attrNameLst>
+                                      </p:cBhvr>
+                                      <p:to>
+                                        <p:strVal val="visible"/>
+                                      </p:to>
+                                    </p:set>
+                                  </p:childTnLst>
+                                </p:cTn>
+                              </p:par>
+                            </p:childTnLst>
+                          </p:cTn>
+                        </p:par>
+                      </p:childTnLst>
+                    </p:cTn>
+                  </p:par>
+                </p:childTnLst>
+              </p:cTn>
+              <p:prevCondLst>
+                <p:cond evt="onPrev" delay="0">
+                  <p:tgtEl>
+                    <p:sldTgt/>
+                  </p:tgtEl>
+                </p:cond>
+              </p:prevCondLst>
+              <p:nextCondLst>
+                <p:cond evt="onNext" delay="0">
+                  <p:tgtEl>
+                    <p:sldTgt/>
+                  </p:tgtEl>
+                </p:cond>
+              </p:nextCondLst>
+            </p:seq>
+          </p:childTnLst>
+        </p:cTn>
+      </p:par>
+    </p:tnLst>
+    <p:bldLst>
+      <p:bldP spid="15" grpId="0"/>
+      <p:bldP spid="20" grpId="0"/>
+    </p:bldLst>
+  </p:timing>
 </p:sld>
 </file>
 
-<file path=ppt/slides/slide14.xml><?xml version="1.0" encoding="utf-8"?>
+<file path=ppt/slides/slide18.xml><?xml version="1.0" encoding="utf-8"?>
 <p:sld xmlns:a="http://schemas.openxmlformats.org/drawingml/2006/main" xmlns:r="http://schemas.openxmlformats.org/officeDocument/2006/relationships" xmlns:p="http://schemas.openxmlformats.org/presentationml/2006/main">
   <p:cSld>
     <p:spTree>
@@ -4892,7 +6499,7 @@
           <p:cNvPr id="2" name="Title 1">
             <a:extLst>
               <a:ext uri="{FF2B5EF4-FFF2-40B4-BE49-F238E27FC236}">
-                <a16:creationId xmlns:a16="http://schemas.microsoft.com/office/drawing/2014/main" id="{4768CB3E-BC69-F441-8FA9-248B29E317BB}"/>
+                <a16:creationId xmlns:a16="http://schemas.microsoft.com/office/drawing/2014/main" id="{6C50D1D5-A9D0-504A-A2EB-5E4809A1A936}"/>
               </a:ext>
             </a:extLst>
           </p:cNvPr>
@@ -4910,8 +6517,13 @@
           <a:p>
             <a:r>
               <a:rPr lang="en-US" dirty="0"/>
-              <a:t>What’s next</a:t>
-            </a:r>
+              <a:t>Methods in the </a:t>
+            </a:r>
+            <a:r>
+              <a:rPr lang="en-US" dirty="0" err="1"/>
+              <a:t>StockManager</a:t>
+            </a:r>
+            <a:endParaRPr lang="en-US" dirty="0"/>
           </a:p>
         </p:txBody>
       </p:sp>
@@ -4920,7 +6532,7 @@
           <p:cNvPr id="3" name="Content Placeholder 2">
             <a:extLst>
               <a:ext uri="{FF2B5EF4-FFF2-40B4-BE49-F238E27FC236}">
-                <a16:creationId xmlns:a16="http://schemas.microsoft.com/office/drawing/2014/main" id="{33F45A48-CF26-3744-9B30-693E747C6AE7}"/>
+                <a16:creationId xmlns:a16="http://schemas.microsoft.com/office/drawing/2014/main" id="{44957C8F-F7F3-F44C-9A17-89F86360C207}"/>
               </a:ext>
             </a:extLst>
           </p:cNvPr>
@@ -4938,19 +6550,7 @@
           <a:p>
             <a:r>
               <a:rPr lang="en-US" dirty="0"/>
-              <a:t>Using JDBC store stock value to Database</a:t>
-            </a:r>
-          </a:p>
-          <a:p>
-            <a:r>
-              <a:rPr lang="en-US" dirty="0"/>
-              <a:t>Design RESTful API</a:t>
-            </a:r>
-          </a:p>
-          <a:p>
-            <a:r>
-              <a:rPr lang="en-US" dirty="0"/>
-              <a:t>Start a local service</a:t>
+              <a:t>Go to the code</a:t>
             </a:r>
           </a:p>
         </p:txBody>
@@ -4958,7 +6558,139 @@
     </p:spTree>
     <p:extLst>
       <p:ext uri="{BB962C8B-B14F-4D97-AF65-F5344CB8AC3E}">
-        <p14:creationId xmlns:p14="http://schemas.microsoft.com/office/powerpoint/2010/main" val="151102091"/>
+        <p14:creationId xmlns:p14="http://schemas.microsoft.com/office/powerpoint/2010/main" val="2207796628"/>
+      </p:ext>
+    </p:extLst>
+  </p:cSld>
+  <p:clrMapOvr>
+    <a:masterClrMapping/>
+  </p:clrMapOvr>
+</p:sld>
+</file>
+
+<file path=ppt/slides/slide19.xml><?xml version="1.0" encoding="utf-8"?>
+<p:sld xmlns:a="http://schemas.openxmlformats.org/drawingml/2006/main" xmlns:r="http://schemas.openxmlformats.org/officeDocument/2006/relationships" xmlns:p="http://schemas.openxmlformats.org/presentationml/2006/main">
+  <p:cSld>
+    <p:spTree>
+      <p:nvGrpSpPr>
+        <p:cNvPr id="1" name=""/>
+        <p:cNvGrpSpPr/>
+        <p:nvPr/>
+      </p:nvGrpSpPr>
+      <p:grpSpPr>
+        <a:xfrm>
+          <a:off x="0" y="0"/>
+          <a:ext cx="0" cy="0"/>
+          <a:chOff x="0" y="0"/>
+          <a:chExt cx="0" cy="0"/>
+        </a:xfrm>
+      </p:grpSpPr>
+      <p:sp>
+        <p:nvSpPr>
+          <p:cNvPr id="2" name="Title 1">
+            <a:extLst>
+              <a:ext uri="{FF2B5EF4-FFF2-40B4-BE49-F238E27FC236}">
+                <a16:creationId xmlns:a16="http://schemas.microsoft.com/office/drawing/2014/main" id="{24885397-876B-5840-A9A7-D8DA1A6676C0}"/>
+              </a:ext>
+            </a:extLst>
+          </p:cNvPr>
+          <p:cNvSpPr>
+            <a:spLocks noGrp="1"/>
+          </p:cNvSpPr>
+          <p:nvPr>
+            <p:ph type="title"/>
+          </p:nvPr>
+        </p:nvSpPr>
+        <p:spPr/>
+        <p:txBody>
+          <a:bodyPr/>
+          <a:lstStyle/>
+          <a:p>
+            <a:r>
+              <a:rPr lang="en-US" dirty="0" err="1"/>
+              <a:t>Functions.java</a:t>
+            </a:r>
+            <a:r>
+              <a:rPr lang="en-US" dirty="0"/>
+              <a:t> – some functions to investigate our stocks </a:t>
+            </a:r>
+          </a:p>
+        </p:txBody>
+      </p:sp>
+      <p:sp>
+        <p:nvSpPr>
+          <p:cNvPr id="3" name="Content Placeholder 2">
+            <a:extLst>
+              <a:ext uri="{FF2B5EF4-FFF2-40B4-BE49-F238E27FC236}">
+                <a16:creationId xmlns:a16="http://schemas.microsoft.com/office/drawing/2014/main" id="{CDC53017-C694-5D4C-B774-CF249ED46CCB}"/>
+              </a:ext>
+            </a:extLst>
+          </p:cNvPr>
+          <p:cNvSpPr>
+            <a:spLocks noGrp="1"/>
+          </p:cNvSpPr>
+          <p:nvPr>
+            <p:ph idx="1"/>
+          </p:nvPr>
+        </p:nvSpPr>
+        <p:spPr/>
+        <p:txBody>
+          <a:bodyPr/>
+          <a:lstStyle/>
+          <a:p>
+            <a:r>
+              <a:rPr lang="en-US" dirty="0"/>
+              <a:t>This class contains some functions to investigate all stocks we have.</a:t>
+            </a:r>
+          </a:p>
+          <a:p>
+            <a:endParaRPr lang="en-US" dirty="0"/>
+          </a:p>
+          <a:p>
+            <a:r>
+              <a:rPr lang="en-US" dirty="0"/>
+              <a:t>For example:</a:t>
+            </a:r>
+          </a:p>
+          <a:p>
+            <a:r>
+              <a:rPr lang="en-US" i="1" dirty="0"/>
+              <a:t>1. Get Top five valuable stocks in all stocks we currently hold</a:t>
+            </a:r>
+          </a:p>
+          <a:p>
+            <a:r>
+              <a:rPr lang="en-US" i="1" dirty="0"/>
+              <a:t>2. Get Top five expense stock we currently hold</a:t>
+            </a:r>
+          </a:p>
+          <a:p>
+            <a:r>
+              <a:rPr lang="en-US" i="1" dirty="0"/>
+              <a:t>3. Get all stocks that bought before a certain date</a:t>
+            </a:r>
+          </a:p>
+          <a:p>
+            <a:r>
+              <a:rPr lang="en-US" i="1" dirty="0"/>
+              <a:t>…</a:t>
+            </a:r>
+          </a:p>
+          <a:p>
+            <a:r>
+              <a:rPr lang="en-US" i="1" dirty="0"/>
+              <a:t>Go to the Code</a:t>
+            </a:r>
+          </a:p>
+          <a:p>
+            <a:endParaRPr lang="en-US" dirty="0"/>
+          </a:p>
+        </p:txBody>
+      </p:sp>
+    </p:spTree>
+    <p:extLst>
+      <p:ext uri="{BB962C8B-B14F-4D97-AF65-F5344CB8AC3E}">
+        <p14:creationId xmlns:p14="http://schemas.microsoft.com/office/powerpoint/2010/main" val="2403922141"/>
       </p:ext>
     </p:extLst>
   </p:cSld>
@@ -5008,7 +6740,7 @@
           <a:p>
             <a:r>
               <a:rPr lang="en-US" dirty="0"/>
-              <a:t>Java Skills used in this exercise</a:t>
+              <a:t>Java tools used in this exercise</a:t>
             </a:r>
           </a:p>
         </p:txBody>
@@ -5042,13 +6774,7 @@
           <a:p>
             <a:r>
               <a:rPr lang="en-US" dirty="0"/>
-              <a:t>Dependency</a:t>
-            </a:r>
-          </a:p>
-          <a:p>
-            <a:r>
-              <a:rPr lang="en-US" dirty="0"/>
-              <a:t>. injection – Google </a:t>
+              <a:t>Dependency Injection – Google </a:t>
             </a:r>
             <a:r>
               <a:rPr lang="en-US" dirty="0" err="1"/>
@@ -5068,7 +6794,7 @@
           <a:p>
             <a:r>
               <a:rPr lang="en-US" dirty="0"/>
-              <a:t>URL – Real time API to get Stock prices</a:t>
+              <a:t>Get Stock prices from Internet – Call API </a:t>
             </a:r>
           </a:p>
           <a:p>
@@ -5083,6 +6809,110 @@
     <p:extLst>
       <p:ext uri="{BB962C8B-B14F-4D97-AF65-F5344CB8AC3E}">
         <p14:creationId xmlns:p14="http://schemas.microsoft.com/office/powerpoint/2010/main" val="1993500982"/>
+      </p:ext>
+    </p:extLst>
+  </p:cSld>
+  <p:clrMapOvr>
+    <a:masterClrMapping/>
+  </p:clrMapOvr>
+</p:sld>
+</file>
+
+<file path=ppt/slides/slide20.xml><?xml version="1.0" encoding="utf-8"?>
+<p:sld xmlns:a="http://schemas.openxmlformats.org/drawingml/2006/main" xmlns:r="http://schemas.openxmlformats.org/officeDocument/2006/relationships" xmlns:p="http://schemas.openxmlformats.org/presentationml/2006/main">
+  <p:cSld>
+    <p:spTree>
+      <p:nvGrpSpPr>
+        <p:cNvPr id="1" name=""/>
+        <p:cNvGrpSpPr/>
+        <p:nvPr/>
+      </p:nvGrpSpPr>
+      <p:grpSpPr>
+        <a:xfrm>
+          <a:off x="0" y="0"/>
+          <a:ext cx="0" cy="0"/>
+          <a:chOff x="0" y="0"/>
+          <a:chExt cx="0" cy="0"/>
+        </a:xfrm>
+      </p:grpSpPr>
+      <p:sp>
+        <p:nvSpPr>
+          <p:cNvPr id="2" name="Title 1">
+            <a:extLst>
+              <a:ext uri="{FF2B5EF4-FFF2-40B4-BE49-F238E27FC236}">
+                <a16:creationId xmlns:a16="http://schemas.microsoft.com/office/drawing/2014/main" id="{4768CB3E-BC69-F441-8FA9-248B29E317BB}"/>
+              </a:ext>
+            </a:extLst>
+          </p:cNvPr>
+          <p:cNvSpPr>
+            <a:spLocks noGrp="1"/>
+          </p:cNvSpPr>
+          <p:nvPr>
+            <p:ph type="title"/>
+          </p:nvPr>
+        </p:nvSpPr>
+        <p:spPr/>
+        <p:txBody>
+          <a:bodyPr/>
+          <a:lstStyle/>
+          <a:p>
+            <a:r>
+              <a:rPr lang="en-US" dirty="0"/>
+              <a:t>What’s next</a:t>
+            </a:r>
+          </a:p>
+        </p:txBody>
+      </p:sp>
+      <p:sp>
+        <p:nvSpPr>
+          <p:cNvPr id="3" name="Content Placeholder 2">
+            <a:extLst>
+              <a:ext uri="{FF2B5EF4-FFF2-40B4-BE49-F238E27FC236}">
+                <a16:creationId xmlns:a16="http://schemas.microsoft.com/office/drawing/2014/main" id="{33F45A48-CF26-3744-9B30-693E747C6AE7}"/>
+              </a:ext>
+            </a:extLst>
+          </p:cNvPr>
+          <p:cNvSpPr>
+            <a:spLocks noGrp="1"/>
+          </p:cNvSpPr>
+          <p:nvPr>
+            <p:ph idx="1"/>
+          </p:nvPr>
+        </p:nvSpPr>
+        <p:spPr/>
+        <p:txBody>
+          <a:bodyPr/>
+          <a:lstStyle/>
+          <a:p>
+            <a:r>
+              <a:rPr lang="en-US" dirty="0"/>
+              <a:t>Watch videos for the next step</a:t>
+            </a:r>
+          </a:p>
+          <a:p>
+            <a:r>
+              <a:rPr lang="en-US" dirty="0"/>
+              <a:t>Use JDBC store stock value to Database</a:t>
+            </a:r>
+          </a:p>
+          <a:p>
+            <a:r>
+              <a:rPr lang="en-US" dirty="0"/>
+              <a:t>Design RESTful API and start a local service for this exercise</a:t>
+            </a:r>
+          </a:p>
+          <a:p>
+            <a:r>
+              <a:rPr lang="en-US" dirty="0"/>
+              <a:t>Learn and design Service to service communication</a:t>
+            </a:r>
+          </a:p>
+        </p:txBody>
+      </p:sp>
+    </p:spTree>
+    <p:extLst>
+      <p:ext uri="{BB962C8B-B14F-4D97-AF65-F5344CB8AC3E}">
+        <p14:creationId xmlns:p14="http://schemas.microsoft.com/office/powerpoint/2010/main" val="151102091"/>
       </p:ext>
     </p:extLst>
   </p:cSld>
@@ -5851,6 +7681,2155 @@
           <p:cNvPr id="2" name="Title 1">
             <a:extLst>
               <a:ext uri="{FF2B5EF4-FFF2-40B4-BE49-F238E27FC236}">
+                <a16:creationId xmlns:a16="http://schemas.microsoft.com/office/drawing/2014/main" id="{B7E60AE2-2E99-2F49-9C9B-059F5C123D1B}"/>
+              </a:ext>
+            </a:extLst>
+          </p:cNvPr>
+          <p:cNvSpPr>
+            <a:spLocks noGrp="1"/>
+          </p:cNvSpPr>
+          <p:nvPr>
+            <p:ph type="title"/>
+          </p:nvPr>
+        </p:nvSpPr>
+        <p:spPr>
+          <a:xfrm>
+            <a:off x="850075" y="139245"/>
+            <a:ext cx="10515600" cy="1325563"/>
+          </a:xfrm>
+        </p:spPr>
+        <p:txBody>
+          <a:bodyPr/>
+          <a:lstStyle/>
+          <a:p>
+            <a:r>
+              <a:rPr lang="en-US" dirty="0"/>
+              <a:t>An overview of the relation among all classes</a:t>
+            </a:r>
+          </a:p>
+        </p:txBody>
+      </p:sp>
+      <p:pic>
+        <p:nvPicPr>
+          <p:cNvPr id="5" name="Content Placeholder 4">
+            <a:extLst>
+              <a:ext uri="{FF2B5EF4-FFF2-40B4-BE49-F238E27FC236}">
+                <a16:creationId xmlns:a16="http://schemas.microsoft.com/office/drawing/2014/main" id="{33DD5DD7-2AEE-5543-8A5F-8D0010F2DAC7}"/>
+              </a:ext>
+            </a:extLst>
+          </p:cNvPr>
+          <p:cNvPicPr>
+            <a:picLocks noGrp="1" noChangeAspect="1"/>
+          </p:cNvPicPr>
+          <p:nvPr>
+            <p:ph idx="1"/>
+          </p:nvPr>
+        </p:nvPicPr>
+        <p:blipFill>
+          <a:blip r:embed="rId3"/>
+          <a:stretch>
+            <a:fillRect/>
+          </a:stretch>
+        </p:blipFill>
+        <p:spPr>
+          <a:xfrm>
+            <a:off x="1928435" y="5410911"/>
+            <a:ext cx="1259472" cy="407998"/>
+          </a:xfrm>
+        </p:spPr>
+      </p:pic>
+      <p:pic>
+        <p:nvPicPr>
+          <p:cNvPr id="7" name="Picture 6">
+            <a:extLst>
+              <a:ext uri="{FF2B5EF4-FFF2-40B4-BE49-F238E27FC236}">
+                <a16:creationId xmlns:a16="http://schemas.microsoft.com/office/drawing/2014/main" id="{0753AA46-44F9-034E-99A1-7766A34AB9DF}"/>
+              </a:ext>
+            </a:extLst>
+          </p:cNvPr>
+          <p:cNvPicPr>
+            <a:picLocks noChangeAspect="1"/>
+          </p:cNvPicPr>
+          <p:nvPr/>
+        </p:nvPicPr>
+        <p:blipFill>
+          <a:blip r:embed="rId4"/>
+          <a:stretch>
+            <a:fillRect/>
+          </a:stretch>
+        </p:blipFill>
+        <p:spPr>
+          <a:xfrm>
+            <a:off x="5928114" y="6036102"/>
+            <a:ext cx="1949924" cy="426546"/>
+          </a:xfrm>
+          <a:prstGeom prst="rect">
+            <a:avLst/>
+          </a:prstGeom>
+        </p:spPr>
+      </p:pic>
+      <p:pic>
+        <p:nvPicPr>
+          <p:cNvPr id="9" name="Picture 8">
+            <a:extLst>
+              <a:ext uri="{FF2B5EF4-FFF2-40B4-BE49-F238E27FC236}">
+                <a16:creationId xmlns:a16="http://schemas.microsoft.com/office/drawing/2014/main" id="{67C1F204-B3EE-D34D-A21C-C8A3EFDF585D}"/>
+              </a:ext>
+            </a:extLst>
+          </p:cNvPr>
+          <p:cNvPicPr>
+            <a:picLocks noChangeAspect="1"/>
+          </p:cNvPicPr>
+          <p:nvPr/>
+        </p:nvPicPr>
+        <p:blipFill>
+          <a:blip r:embed="rId5"/>
+          <a:stretch>
+            <a:fillRect/>
+          </a:stretch>
+        </p:blipFill>
+        <p:spPr>
+          <a:xfrm>
+            <a:off x="6421865" y="4506552"/>
+            <a:ext cx="2382982" cy="397164"/>
+          </a:xfrm>
+          <a:prstGeom prst="rect">
+            <a:avLst/>
+          </a:prstGeom>
+        </p:spPr>
+      </p:pic>
+      <p:pic>
+        <p:nvPicPr>
+          <p:cNvPr id="11" name="Picture 10">
+            <a:extLst>
+              <a:ext uri="{FF2B5EF4-FFF2-40B4-BE49-F238E27FC236}">
+                <a16:creationId xmlns:a16="http://schemas.microsoft.com/office/drawing/2014/main" id="{1E1EC998-3BB8-F343-A005-A7F826767CB2}"/>
+              </a:ext>
+            </a:extLst>
+          </p:cNvPr>
+          <p:cNvPicPr>
+            <a:picLocks noChangeAspect="1"/>
+          </p:cNvPicPr>
+          <p:nvPr/>
+        </p:nvPicPr>
+        <p:blipFill>
+          <a:blip r:embed="rId6"/>
+          <a:stretch>
+            <a:fillRect/>
+          </a:stretch>
+        </p:blipFill>
+        <p:spPr>
+          <a:xfrm>
+            <a:off x="754742" y="2938887"/>
+            <a:ext cx="2147063" cy="390375"/>
+          </a:xfrm>
+          <a:prstGeom prst="rect">
+            <a:avLst/>
+          </a:prstGeom>
+        </p:spPr>
+      </p:pic>
+      <p:pic>
+        <p:nvPicPr>
+          <p:cNvPr id="13" name="Picture 12">
+            <a:extLst>
+              <a:ext uri="{FF2B5EF4-FFF2-40B4-BE49-F238E27FC236}">
+                <a16:creationId xmlns:a16="http://schemas.microsoft.com/office/drawing/2014/main" id="{E1A71C03-48D9-564E-9557-02FACF872A39}"/>
+              </a:ext>
+            </a:extLst>
+          </p:cNvPr>
+          <p:cNvPicPr>
+            <a:picLocks noChangeAspect="1"/>
+          </p:cNvPicPr>
+          <p:nvPr/>
+        </p:nvPicPr>
+        <p:blipFill>
+          <a:blip r:embed="rId7"/>
+          <a:stretch>
+            <a:fillRect/>
+          </a:stretch>
+        </p:blipFill>
+        <p:spPr>
+          <a:xfrm>
+            <a:off x="8890748" y="4460237"/>
+            <a:ext cx="2070177" cy="449189"/>
+          </a:xfrm>
+          <a:prstGeom prst="rect">
+            <a:avLst/>
+          </a:prstGeom>
+        </p:spPr>
+      </p:pic>
+      <p:pic>
+        <p:nvPicPr>
+          <p:cNvPr id="15" name="Picture 14">
+            <a:extLst>
+              <a:ext uri="{FF2B5EF4-FFF2-40B4-BE49-F238E27FC236}">
+                <a16:creationId xmlns:a16="http://schemas.microsoft.com/office/drawing/2014/main" id="{219A39E9-D2F0-B84A-879E-6702D7378A61}"/>
+              </a:ext>
+            </a:extLst>
+          </p:cNvPr>
+          <p:cNvPicPr>
+            <a:picLocks noChangeAspect="1"/>
+          </p:cNvPicPr>
+          <p:nvPr/>
+        </p:nvPicPr>
+        <p:blipFill>
+          <a:blip r:embed="rId8"/>
+          <a:stretch>
+            <a:fillRect/>
+          </a:stretch>
+        </p:blipFill>
+        <p:spPr>
+          <a:xfrm>
+            <a:off x="1075350" y="4081642"/>
+            <a:ext cx="1482821" cy="391300"/>
+          </a:xfrm>
+          <a:prstGeom prst="rect">
+            <a:avLst/>
+          </a:prstGeom>
+        </p:spPr>
+      </p:pic>
+      <p:pic>
+        <p:nvPicPr>
+          <p:cNvPr id="17" name="Picture 16">
+            <a:extLst>
+              <a:ext uri="{FF2B5EF4-FFF2-40B4-BE49-F238E27FC236}">
+                <a16:creationId xmlns:a16="http://schemas.microsoft.com/office/drawing/2014/main" id="{E4A94947-58FC-3944-998F-A844CE4E4D06}"/>
+              </a:ext>
+            </a:extLst>
+          </p:cNvPr>
+          <p:cNvPicPr>
+            <a:picLocks noChangeAspect="1"/>
+          </p:cNvPicPr>
+          <p:nvPr/>
+        </p:nvPicPr>
+        <p:blipFill>
+          <a:blip r:embed="rId9"/>
+          <a:stretch>
+            <a:fillRect/>
+          </a:stretch>
+        </p:blipFill>
+        <p:spPr>
+          <a:xfrm>
+            <a:off x="7450425" y="1764063"/>
+            <a:ext cx="2687590" cy="495584"/>
+          </a:xfrm>
+          <a:prstGeom prst="rect">
+            <a:avLst/>
+          </a:prstGeom>
+        </p:spPr>
+      </p:pic>
+      <p:pic>
+        <p:nvPicPr>
+          <p:cNvPr id="19" name="Picture 18">
+            <a:extLst>
+              <a:ext uri="{FF2B5EF4-FFF2-40B4-BE49-F238E27FC236}">
+                <a16:creationId xmlns:a16="http://schemas.microsoft.com/office/drawing/2014/main" id="{534FE671-8811-A545-816C-58F5854F0BCA}"/>
+              </a:ext>
+            </a:extLst>
+          </p:cNvPr>
+          <p:cNvPicPr>
+            <a:picLocks noChangeAspect="1"/>
+          </p:cNvPicPr>
+          <p:nvPr/>
+        </p:nvPicPr>
+        <p:blipFill>
+          <a:blip r:embed="rId10"/>
+          <a:stretch>
+            <a:fillRect/>
+          </a:stretch>
+        </p:blipFill>
+        <p:spPr>
+          <a:xfrm>
+            <a:off x="3079132" y="1808134"/>
+            <a:ext cx="2062884" cy="448453"/>
+          </a:xfrm>
+          <a:prstGeom prst="rect">
+            <a:avLst/>
+          </a:prstGeom>
+        </p:spPr>
+      </p:pic>
+      <p:pic>
+        <p:nvPicPr>
+          <p:cNvPr id="21" name="Picture 20">
+            <a:extLst>
+              <a:ext uri="{FF2B5EF4-FFF2-40B4-BE49-F238E27FC236}">
+                <a16:creationId xmlns:a16="http://schemas.microsoft.com/office/drawing/2014/main" id="{1EEEA4D8-EA40-874E-AC4C-943DF8812635}"/>
+              </a:ext>
+            </a:extLst>
+          </p:cNvPr>
+          <p:cNvPicPr>
+            <a:picLocks noChangeAspect="1"/>
+          </p:cNvPicPr>
+          <p:nvPr/>
+        </p:nvPicPr>
+        <p:blipFill>
+          <a:blip r:embed="rId11"/>
+          <a:stretch>
+            <a:fillRect/>
+          </a:stretch>
+        </p:blipFill>
+        <p:spPr>
+          <a:xfrm>
+            <a:off x="7408059" y="3022127"/>
+            <a:ext cx="2238542" cy="424551"/>
+          </a:xfrm>
+          <a:prstGeom prst="rect">
+            <a:avLst/>
+          </a:prstGeom>
+        </p:spPr>
+      </p:pic>
+      <p:sp>
+        <p:nvSpPr>
+          <p:cNvPr id="22" name="TextBox 21">
+            <a:extLst>
+              <a:ext uri="{FF2B5EF4-FFF2-40B4-BE49-F238E27FC236}">
+                <a16:creationId xmlns:a16="http://schemas.microsoft.com/office/drawing/2014/main" id="{3D89D8D5-F33A-D14E-9E60-F9DB9D1E8A38}"/>
+              </a:ext>
+            </a:extLst>
+          </p:cNvPr>
+          <p:cNvSpPr txBox="1"/>
+          <p:nvPr/>
+        </p:nvSpPr>
+        <p:spPr>
+          <a:xfrm>
+            <a:off x="3187907" y="5291744"/>
+            <a:ext cx="2429122" cy="646331"/>
+          </a:xfrm>
+          <a:prstGeom prst="rect">
+            <a:avLst/>
+          </a:prstGeom>
+          <a:noFill/>
+        </p:spPr>
+        <p:txBody>
+          <a:bodyPr wrap="square" rtlCol="0">
+            <a:spAutoFit/>
+          </a:bodyPr>
+          <a:lstStyle/>
+          <a:p>
+            <a:r>
+              <a:rPr lang="en-US" dirty="0"/>
+              <a:t>Contains the entry point for this exercise</a:t>
+            </a:r>
+          </a:p>
+        </p:txBody>
+      </p:sp>
+      <p:cxnSp>
+        <p:nvCxnSpPr>
+          <p:cNvPr id="24" name="Straight Arrow Connector 23">
+            <a:extLst>
+              <a:ext uri="{FF2B5EF4-FFF2-40B4-BE49-F238E27FC236}">
+                <a16:creationId xmlns:a16="http://schemas.microsoft.com/office/drawing/2014/main" id="{C0D366F4-86B4-7249-A558-9D8807A098AB}"/>
+              </a:ext>
+            </a:extLst>
+          </p:cNvPr>
+          <p:cNvCxnSpPr>
+            <a:cxnSpLocks/>
+          </p:cNvCxnSpPr>
+          <p:nvPr/>
+        </p:nvCxnSpPr>
+        <p:spPr>
+          <a:xfrm>
+            <a:off x="1803146" y="4577461"/>
+            <a:ext cx="427158" cy="833450"/>
+          </a:xfrm>
+          <a:prstGeom prst="straightConnector1">
+            <a:avLst/>
+          </a:prstGeom>
+          <a:ln w="82550">
+            <a:tailEnd type="triangle"/>
+          </a:ln>
+        </p:spPr>
+        <p:style>
+          <a:lnRef idx="1">
+            <a:schemeClr val="accent1"/>
+          </a:lnRef>
+          <a:fillRef idx="0">
+            <a:schemeClr val="accent1"/>
+          </a:fillRef>
+          <a:effectRef idx="0">
+            <a:schemeClr val="accent1"/>
+          </a:effectRef>
+          <a:fontRef idx="minor">
+            <a:schemeClr val="tx1"/>
+          </a:fontRef>
+        </p:style>
+      </p:cxnSp>
+      <p:sp>
+        <p:nvSpPr>
+          <p:cNvPr id="25" name="TextBox 24">
+            <a:extLst>
+              <a:ext uri="{FF2B5EF4-FFF2-40B4-BE49-F238E27FC236}">
+                <a16:creationId xmlns:a16="http://schemas.microsoft.com/office/drawing/2014/main" id="{A0FDE21A-F935-C54B-997A-8CF18F151C5A}"/>
+              </a:ext>
+            </a:extLst>
+          </p:cNvPr>
+          <p:cNvSpPr txBox="1"/>
+          <p:nvPr/>
+        </p:nvSpPr>
+        <p:spPr>
+          <a:xfrm>
+            <a:off x="2082999" y="4703662"/>
+            <a:ext cx="1663659" cy="369332"/>
+          </a:xfrm>
+          <a:prstGeom prst="rect">
+            <a:avLst/>
+          </a:prstGeom>
+          <a:noFill/>
+        </p:spPr>
+        <p:txBody>
+          <a:bodyPr wrap="square" rtlCol="0">
+            <a:spAutoFit/>
+          </a:bodyPr>
+          <a:lstStyle/>
+          <a:p>
+            <a:r>
+              <a:rPr lang="en-US" dirty="0"/>
+              <a:t>Contains some</a:t>
+            </a:r>
+          </a:p>
+        </p:txBody>
+      </p:sp>
+      <p:cxnSp>
+        <p:nvCxnSpPr>
+          <p:cNvPr id="27" name="Straight Arrow Connector 26">
+            <a:extLst>
+              <a:ext uri="{FF2B5EF4-FFF2-40B4-BE49-F238E27FC236}">
+                <a16:creationId xmlns:a16="http://schemas.microsoft.com/office/drawing/2014/main" id="{55794DBB-4899-DE43-AC42-6E0CDE6F75B4}"/>
+              </a:ext>
+            </a:extLst>
+          </p:cNvPr>
+          <p:cNvCxnSpPr>
+            <a:endCxn id="15" idx="0"/>
+          </p:cNvCxnSpPr>
+          <p:nvPr/>
+        </p:nvCxnSpPr>
+        <p:spPr>
+          <a:xfrm>
+            <a:off x="1816760" y="3329262"/>
+            <a:ext cx="1" cy="752380"/>
+          </a:xfrm>
+          <a:prstGeom prst="straightConnector1">
+            <a:avLst/>
+          </a:prstGeom>
+          <a:ln w="82550">
+            <a:tailEnd type="triangle"/>
+          </a:ln>
+        </p:spPr>
+        <p:style>
+          <a:lnRef idx="1">
+            <a:schemeClr val="accent1"/>
+          </a:lnRef>
+          <a:fillRef idx="0">
+            <a:schemeClr val="accent1"/>
+          </a:fillRef>
+          <a:effectRef idx="0">
+            <a:schemeClr val="accent1"/>
+          </a:effectRef>
+          <a:fontRef idx="minor">
+            <a:schemeClr val="tx1"/>
+          </a:fontRef>
+        </p:style>
+      </p:cxnSp>
+      <p:sp>
+        <p:nvSpPr>
+          <p:cNvPr id="28" name="TextBox 27">
+            <a:extLst>
+              <a:ext uri="{FF2B5EF4-FFF2-40B4-BE49-F238E27FC236}">
+                <a16:creationId xmlns:a16="http://schemas.microsoft.com/office/drawing/2014/main" id="{5D42B5FA-9CAA-B849-8514-B3F9C19399AF}"/>
+              </a:ext>
+            </a:extLst>
+          </p:cNvPr>
+          <p:cNvSpPr txBox="1"/>
+          <p:nvPr/>
+        </p:nvSpPr>
+        <p:spPr>
+          <a:xfrm>
+            <a:off x="1928434" y="3538847"/>
+            <a:ext cx="1818223" cy="369332"/>
+          </a:xfrm>
+          <a:prstGeom prst="rect">
+            <a:avLst/>
+          </a:prstGeom>
+          <a:noFill/>
+        </p:spPr>
+        <p:txBody>
+          <a:bodyPr wrap="square" rtlCol="0">
+            <a:spAutoFit/>
+          </a:bodyPr>
+          <a:lstStyle/>
+          <a:p>
+            <a:r>
+              <a:rPr lang="en-US" dirty="0"/>
+              <a:t>Implemented by</a:t>
+            </a:r>
+          </a:p>
+        </p:txBody>
+      </p:sp>
+      <p:cxnSp>
+        <p:nvCxnSpPr>
+          <p:cNvPr id="34" name="Straight Arrow Connector 33">
+            <a:extLst>
+              <a:ext uri="{FF2B5EF4-FFF2-40B4-BE49-F238E27FC236}">
+                <a16:creationId xmlns:a16="http://schemas.microsoft.com/office/drawing/2014/main" id="{03842849-65DC-3447-B9B9-F9DA57737F94}"/>
+              </a:ext>
+            </a:extLst>
+          </p:cNvPr>
+          <p:cNvCxnSpPr/>
+          <p:nvPr/>
+        </p:nvCxnSpPr>
+        <p:spPr>
+          <a:xfrm flipH="1">
+            <a:off x="1803146" y="2024503"/>
+            <a:ext cx="1275986" cy="853671"/>
+          </a:xfrm>
+          <a:prstGeom prst="straightConnector1">
+            <a:avLst/>
+          </a:prstGeom>
+          <a:ln w="82550">
+            <a:tailEnd type="triangle"/>
+          </a:ln>
+        </p:spPr>
+        <p:style>
+          <a:lnRef idx="1">
+            <a:schemeClr val="accent1"/>
+          </a:lnRef>
+          <a:fillRef idx="0">
+            <a:schemeClr val="accent1"/>
+          </a:fillRef>
+          <a:effectRef idx="0">
+            <a:schemeClr val="accent1"/>
+          </a:effectRef>
+          <a:fontRef idx="minor">
+            <a:schemeClr val="tx1"/>
+          </a:fontRef>
+        </p:style>
+      </p:cxnSp>
+      <p:sp>
+        <p:nvSpPr>
+          <p:cNvPr id="35" name="TextBox 34">
+            <a:extLst>
+              <a:ext uri="{FF2B5EF4-FFF2-40B4-BE49-F238E27FC236}">
+                <a16:creationId xmlns:a16="http://schemas.microsoft.com/office/drawing/2014/main" id="{BCC3A8F5-7655-C344-A8C6-7DF361D1E5CA}"/>
+              </a:ext>
+            </a:extLst>
+          </p:cNvPr>
+          <p:cNvSpPr txBox="1"/>
+          <p:nvPr/>
+        </p:nvSpPr>
+        <p:spPr>
+          <a:xfrm>
+            <a:off x="2558170" y="4081642"/>
+            <a:ext cx="2583846" cy="369332"/>
+          </a:xfrm>
+          <a:prstGeom prst="rect">
+            <a:avLst/>
+          </a:prstGeom>
+          <a:noFill/>
+        </p:spPr>
+        <p:txBody>
+          <a:bodyPr wrap="square" rtlCol="0">
+            <a:spAutoFit/>
+          </a:bodyPr>
+          <a:lstStyle/>
+          <a:p>
+            <a:r>
+              <a:rPr lang="en-US" dirty="0" err="1"/>
+              <a:t>getValue</a:t>
+            </a:r>
+            <a:r>
+              <a:rPr lang="en-US" dirty="0"/>
+              <a:t>(),</a:t>
+            </a:r>
+            <a:r>
+              <a:rPr lang="en-US" dirty="0" err="1"/>
+              <a:t>getSymbol</a:t>
+            </a:r>
+            <a:r>
+              <a:rPr lang="en-US" dirty="0"/>
+              <a:t>(), … </a:t>
+            </a:r>
+          </a:p>
+        </p:txBody>
+      </p:sp>
+      <p:sp>
+        <p:nvSpPr>
+          <p:cNvPr id="36" name="TextBox 35">
+            <a:extLst>
+              <a:ext uri="{FF2B5EF4-FFF2-40B4-BE49-F238E27FC236}">
+                <a16:creationId xmlns:a16="http://schemas.microsoft.com/office/drawing/2014/main" id="{1D926F90-4CAA-174D-9F22-1047AF560D35}"/>
+              </a:ext>
+            </a:extLst>
+          </p:cNvPr>
+          <p:cNvSpPr txBox="1"/>
+          <p:nvPr/>
+        </p:nvSpPr>
+        <p:spPr>
+          <a:xfrm>
+            <a:off x="2901805" y="2938887"/>
+            <a:ext cx="2406465" cy="369332"/>
+          </a:xfrm>
+          <a:prstGeom prst="rect">
+            <a:avLst/>
+          </a:prstGeom>
+          <a:noFill/>
+        </p:spPr>
+        <p:txBody>
+          <a:bodyPr wrap="square" rtlCol="0">
+            <a:spAutoFit/>
+          </a:bodyPr>
+          <a:lstStyle/>
+          <a:p>
+            <a:r>
+              <a:rPr lang="en-US" dirty="0" err="1"/>
+              <a:t>stockSymbol</a:t>
+            </a:r>
+            <a:r>
+              <a:rPr lang="en-US" dirty="0"/>
+              <a:t>, shares, …</a:t>
+            </a:r>
+          </a:p>
+        </p:txBody>
+      </p:sp>
+      <p:sp>
+        <p:nvSpPr>
+          <p:cNvPr id="37" name="TextBox 36">
+            <a:extLst>
+              <a:ext uri="{FF2B5EF4-FFF2-40B4-BE49-F238E27FC236}">
+                <a16:creationId xmlns:a16="http://schemas.microsoft.com/office/drawing/2014/main" id="{CE8225A4-CA11-D248-8954-867422DC544C}"/>
+              </a:ext>
+            </a:extLst>
+          </p:cNvPr>
+          <p:cNvSpPr txBox="1"/>
+          <p:nvPr/>
+        </p:nvSpPr>
+        <p:spPr>
+          <a:xfrm>
+            <a:off x="695321" y="1774203"/>
+            <a:ext cx="2142224" cy="646331"/>
+          </a:xfrm>
+          <a:prstGeom prst="rect">
+            <a:avLst/>
+          </a:prstGeom>
+          <a:noFill/>
+        </p:spPr>
+        <p:txBody>
+          <a:bodyPr wrap="square" rtlCol="0">
+            <a:spAutoFit/>
+          </a:bodyPr>
+          <a:lstStyle/>
+          <a:p>
+            <a:r>
+              <a:rPr lang="en-US" dirty="0"/>
+              <a:t>Contains(Being Injected by </a:t>
+            </a:r>
+            <a:r>
+              <a:rPr lang="en-US" dirty="0" err="1"/>
+              <a:t>Guice</a:t>
+            </a:r>
+            <a:r>
+              <a:rPr lang="en-US" dirty="0"/>
+              <a:t>)</a:t>
+            </a:r>
+          </a:p>
+        </p:txBody>
+      </p:sp>
+      <p:cxnSp>
+        <p:nvCxnSpPr>
+          <p:cNvPr id="39" name="Straight Arrow Connector 38">
+            <a:extLst>
+              <a:ext uri="{FF2B5EF4-FFF2-40B4-BE49-F238E27FC236}">
+                <a16:creationId xmlns:a16="http://schemas.microsoft.com/office/drawing/2014/main" id="{810170F3-2420-0143-9031-FFDB9EEF2B28}"/>
+              </a:ext>
+            </a:extLst>
+          </p:cNvPr>
+          <p:cNvCxnSpPr>
+            <a:cxnSpLocks/>
+          </p:cNvCxnSpPr>
+          <p:nvPr/>
+        </p:nvCxnSpPr>
+        <p:spPr>
+          <a:xfrm flipH="1">
+            <a:off x="5142018" y="2011855"/>
+            <a:ext cx="2174312" cy="12648"/>
+          </a:xfrm>
+          <a:prstGeom prst="straightConnector1">
+            <a:avLst/>
+          </a:prstGeom>
+          <a:ln w="82550">
+            <a:tailEnd type="triangle"/>
+          </a:ln>
+        </p:spPr>
+        <p:style>
+          <a:lnRef idx="1">
+            <a:schemeClr val="accent1"/>
+          </a:lnRef>
+          <a:fillRef idx="0">
+            <a:schemeClr val="accent1"/>
+          </a:fillRef>
+          <a:effectRef idx="0">
+            <a:schemeClr val="accent1"/>
+          </a:effectRef>
+          <a:fontRef idx="minor">
+            <a:schemeClr val="tx1"/>
+          </a:fontRef>
+        </p:style>
+      </p:cxnSp>
+      <p:sp>
+        <p:nvSpPr>
+          <p:cNvPr id="40" name="TextBox 39">
+            <a:extLst>
+              <a:ext uri="{FF2B5EF4-FFF2-40B4-BE49-F238E27FC236}">
+                <a16:creationId xmlns:a16="http://schemas.microsoft.com/office/drawing/2014/main" id="{5914BFF6-9C21-854B-99D8-3E6C469CC86C}"/>
+              </a:ext>
+            </a:extLst>
+          </p:cNvPr>
+          <p:cNvSpPr txBox="1"/>
+          <p:nvPr/>
+        </p:nvSpPr>
+        <p:spPr>
+          <a:xfrm>
+            <a:off x="5451904" y="1546987"/>
+            <a:ext cx="1864426" cy="369332"/>
+          </a:xfrm>
+          <a:prstGeom prst="rect">
+            <a:avLst/>
+          </a:prstGeom>
+          <a:noFill/>
+        </p:spPr>
+        <p:txBody>
+          <a:bodyPr wrap="square" rtlCol="0">
+            <a:spAutoFit/>
+          </a:bodyPr>
+          <a:lstStyle/>
+          <a:p>
+            <a:r>
+              <a:rPr lang="en-US" dirty="0"/>
+              <a:t>Implemented by</a:t>
+            </a:r>
+          </a:p>
+        </p:txBody>
+      </p:sp>
+      <p:sp>
+        <p:nvSpPr>
+          <p:cNvPr id="43" name="TextBox 42">
+            <a:extLst>
+              <a:ext uri="{FF2B5EF4-FFF2-40B4-BE49-F238E27FC236}">
+                <a16:creationId xmlns:a16="http://schemas.microsoft.com/office/drawing/2014/main" id="{B4FC0996-5165-DF43-B733-5D5387E3A989}"/>
+              </a:ext>
+            </a:extLst>
+          </p:cNvPr>
+          <p:cNvSpPr txBox="1"/>
+          <p:nvPr/>
+        </p:nvSpPr>
+        <p:spPr>
+          <a:xfrm>
+            <a:off x="2724769" y="1341771"/>
+            <a:ext cx="2417247" cy="369332"/>
+          </a:xfrm>
+          <a:prstGeom prst="rect">
+            <a:avLst/>
+          </a:prstGeom>
+          <a:noFill/>
+        </p:spPr>
+        <p:txBody>
+          <a:bodyPr wrap="square" rtlCol="0">
+            <a:spAutoFit/>
+          </a:bodyPr>
+          <a:lstStyle/>
+          <a:p>
+            <a:r>
+              <a:rPr lang="en-US" dirty="0" err="1"/>
+              <a:t>isCached</a:t>
+            </a:r>
+            <a:r>
+              <a:rPr lang="en-US" dirty="0"/>
+              <a:t>(), refresh(), …</a:t>
+            </a:r>
+          </a:p>
+        </p:txBody>
+      </p:sp>
+      <p:sp>
+        <p:nvSpPr>
+          <p:cNvPr id="44" name="TextBox 43">
+            <a:extLst>
+              <a:ext uri="{FF2B5EF4-FFF2-40B4-BE49-F238E27FC236}">
+                <a16:creationId xmlns:a16="http://schemas.microsoft.com/office/drawing/2014/main" id="{96B22FBB-318E-624F-9536-91235EECF3B2}"/>
+              </a:ext>
+            </a:extLst>
+          </p:cNvPr>
+          <p:cNvSpPr txBox="1"/>
+          <p:nvPr/>
+        </p:nvSpPr>
+        <p:spPr>
+          <a:xfrm>
+            <a:off x="7384879" y="1087864"/>
+            <a:ext cx="3486749" cy="646331"/>
+          </a:xfrm>
+          <a:prstGeom prst="rect">
+            <a:avLst/>
+          </a:prstGeom>
+          <a:noFill/>
+        </p:spPr>
+        <p:txBody>
+          <a:bodyPr wrap="square" rtlCol="0">
+            <a:spAutoFit/>
+          </a:bodyPr>
+          <a:lstStyle/>
+          <a:p>
+            <a:r>
+              <a:rPr lang="en-US" dirty="0"/>
+              <a:t>A singleton, contains all cached stock prices in </a:t>
+            </a:r>
+            <a:r>
+              <a:rPr lang="en-US" dirty="0" err="1"/>
+              <a:t>stockValues</a:t>
+            </a:r>
+            <a:endParaRPr lang="en-US" dirty="0"/>
+          </a:p>
+        </p:txBody>
+      </p:sp>
+      <p:cxnSp>
+        <p:nvCxnSpPr>
+          <p:cNvPr id="46" name="Straight Arrow Connector 45">
+            <a:extLst>
+              <a:ext uri="{FF2B5EF4-FFF2-40B4-BE49-F238E27FC236}">
+                <a16:creationId xmlns:a16="http://schemas.microsoft.com/office/drawing/2014/main" id="{2F17A833-F076-2246-96ED-7E74EBF45AA1}"/>
+              </a:ext>
+            </a:extLst>
+          </p:cNvPr>
+          <p:cNvCxnSpPr/>
+          <p:nvPr/>
+        </p:nvCxnSpPr>
+        <p:spPr>
+          <a:xfrm>
+            <a:off x="8182099" y="2256587"/>
+            <a:ext cx="0" cy="682300"/>
+          </a:xfrm>
+          <a:prstGeom prst="straightConnector1">
+            <a:avLst/>
+          </a:prstGeom>
+          <a:ln w="82550">
+            <a:tailEnd type="triangle"/>
+          </a:ln>
+        </p:spPr>
+        <p:style>
+          <a:lnRef idx="1">
+            <a:schemeClr val="accent1"/>
+          </a:lnRef>
+          <a:fillRef idx="0">
+            <a:schemeClr val="accent1"/>
+          </a:fillRef>
+          <a:effectRef idx="0">
+            <a:schemeClr val="accent1"/>
+          </a:effectRef>
+          <a:fontRef idx="minor">
+            <a:schemeClr val="tx1"/>
+          </a:fontRef>
+        </p:style>
+      </p:cxnSp>
+      <p:sp>
+        <p:nvSpPr>
+          <p:cNvPr id="47" name="TextBox 46">
+            <a:extLst>
+              <a:ext uri="{FF2B5EF4-FFF2-40B4-BE49-F238E27FC236}">
+                <a16:creationId xmlns:a16="http://schemas.microsoft.com/office/drawing/2014/main" id="{DE0A3F0C-6711-9145-A2AB-DB8D3FD3766C}"/>
+              </a:ext>
+            </a:extLst>
+          </p:cNvPr>
+          <p:cNvSpPr txBox="1"/>
+          <p:nvPr/>
+        </p:nvSpPr>
+        <p:spPr>
+          <a:xfrm>
+            <a:off x="8383021" y="2420534"/>
+            <a:ext cx="1995254" cy="369332"/>
+          </a:xfrm>
+          <a:prstGeom prst="rect">
+            <a:avLst/>
+          </a:prstGeom>
+          <a:noFill/>
+        </p:spPr>
+        <p:txBody>
+          <a:bodyPr wrap="square" rtlCol="0">
+            <a:spAutoFit/>
+          </a:bodyPr>
+          <a:lstStyle/>
+          <a:p>
+            <a:r>
+              <a:rPr lang="en-US" dirty="0"/>
+              <a:t>Use static methods</a:t>
+            </a:r>
+          </a:p>
+        </p:txBody>
+      </p:sp>
+      <p:sp>
+        <p:nvSpPr>
+          <p:cNvPr id="48" name="TextBox 47">
+            <a:extLst>
+              <a:ext uri="{FF2B5EF4-FFF2-40B4-BE49-F238E27FC236}">
+                <a16:creationId xmlns:a16="http://schemas.microsoft.com/office/drawing/2014/main" id="{06B92E94-0AC8-964E-850A-B35CE5AC810D}"/>
+              </a:ext>
+            </a:extLst>
+          </p:cNvPr>
+          <p:cNvSpPr txBox="1"/>
+          <p:nvPr/>
+        </p:nvSpPr>
+        <p:spPr>
+          <a:xfrm>
+            <a:off x="9773392" y="3022127"/>
+            <a:ext cx="2125683" cy="646331"/>
+          </a:xfrm>
+          <a:prstGeom prst="rect">
+            <a:avLst/>
+          </a:prstGeom>
+          <a:noFill/>
+        </p:spPr>
+        <p:txBody>
+          <a:bodyPr wrap="square" rtlCol="0">
+            <a:spAutoFit/>
+          </a:bodyPr>
+          <a:lstStyle/>
+          <a:p>
+            <a:r>
+              <a:rPr lang="en-US" dirty="0"/>
+              <a:t>Fetch Stock prices from Internet</a:t>
+            </a:r>
+          </a:p>
+        </p:txBody>
+      </p:sp>
+      <p:cxnSp>
+        <p:nvCxnSpPr>
+          <p:cNvPr id="50" name="Elbow Connector 49">
+            <a:extLst>
+              <a:ext uri="{FF2B5EF4-FFF2-40B4-BE49-F238E27FC236}">
+                <a16:creationId xmlns:a16="http://schemas.microsoft.com/office/drawing/2014/main" id="{07402269-03A0-B748-ACA7-2FFBFC8C3537}"/>
+              </a:ext>
+            </a:extLst>
+          </p:cNvPr>
+          <p:cNvCxnSpPr>
+            <a:cxnSpLocks/>
+          </p:cNvCxnSpPr>
+          <p:nvPr/>
+        </p:nvCxnSpPr>
+        <p:spPr>
+          <a:xfrm>
+            <a:off x="2724769" y="5906444"/>
+            <a:ext cx="3017549" cy="379996"/>
+          </a:xfrm>
+          <a:prstGeom prst="bentConnector3">
+            <a:avLst>
+              <a:gd name="adj1" fmla="val 1201"/>
+            </a:avLst>
+          </a:prstGeom>
+          <a:ln w="82550">
+            <a:tailEnd type="triangle"/>
+          </a:ln>
+        </p:spPr>
+        <p:style>
+          <a:lnRef idx="1">
+            <a:schemeClr val="accent1"/>
+          </a:lnRef>
+          <a:fillRef idx="0">
+            <a:schemeClr val="accent1"/>
+          </a:fillRef>
+          <a:effectRef idx="0">
+            <a:schemeClr val="accent1"/>
+          </a:effectRef>
+          <a:fontRef idx="minor">
+            <a:schemeClr val="tx1"/>
+          </a:fontRef>
+        </p:style>
+      </p:cxnSp>
+      <p:sp>
+        <p:nvSpPr>
+          <p:cNvPr id="55" name="TextBox 54">
+            <a:extLst>
+              <a:ext uri="{FF2B5EF4-FFF2-40B4-BE49-F238E27FC236}">
+                <a16:creationId xmlns:a16="http://schemas.microsoft.com/office/drawing/2014/main" id="{70A82C8B-1078-7E40-A695-720FF42BC054}"/>
+              </a:ext>
+            </a:extLst>
+          </p:cNvPr>
+          <p:cNvSpPr txBox="1"/>
+          <p:nvPr/>
+        </p:nvSpPr>
+        <p:spPr>
+          <a:xfrm>
+            <a:off x="2901805" y="6462648"/>
+            <a:ext cx="2240211" cy="369332"/>
+          </a:xfrm>
+          <a:prstGeom prst="rect">
+            <a:avLst/>
+          </a:prstGeom>
+          <a:noFill/>
+        </p:spPr>
+        <p:txBody>
+          <a:bodyPr wrap="square" rtlCol="0">
+            <a:spAutoFit/>
+          </a:bodyPr>
+          <a:lstStyle/>
+          <a:p>
+            <a:r>
+              <a:rPr lang="en-US" dirty="0"/>
+              <a:t>Use functions in</a:t>
+            </a:r>
+          </a:p>
+        </p:txBody>
+      </p:sp>
+      <p:sp>
+        <p:nvSpPr>
+          <p:cNvPr id="57" name="TextBox 56">
+            <a:extLst>
+              <a:ext uri="{FF2B5EF4-FFF2-40B4-BE49-F238E27FC236}">
+                <a16:creationId xmlns:a16="http://schemas.microsoft.com/office/drawing/2014/main" id="{5EE450E1-8FDD-9C46-8032-A155BDF9A5D6}"/>
+              </a:ext>
+            </a:extLst>
+          </p:cNvPr>
+          <p:cNvSpPr txBox="1"/>
+          <p:nvPr/>
+        </p:nvSpPr>
+        <p:spPr>
+          <a:xfrm>
+            <a:off x="7878038" y="5906444"/>
+            <a:ext cx="2643500" cy="646331"/>
+          </a:xfrm>
+          <a:prstGeom prst="rect">
+            <a:avLst/>
+          </a:prstGeom>
+          <a:noFill/>
+        </p:spPr>
+        <p:txBody>
+          <a:bodyPr wrap="square" rtlCol="0">
+            <a:spAutoFit/>
+          </a:bodyPr>
+          <a:lstStyle/>
+          <a:p>
+            <a:r>
+              <a:rPr lang="en-US" dirty="0"/>
+              <a:t>Get top five valuable stocks, …</a:t>
+            </a:r>
+          </a:p>
+        </p:txBody>
+      </p:sp>
+      <p:sp>
+        <p:nvSpPr>
+          <p:cNvPr id="59" name="Left Brace 58">
+            <a:extLst>
+              <a:ext uri="{FF2B5EF4-FFF2-40B4-BE49-F238E27FC236}">
+                <a16:creationId xmlns:a16="http://schemas.microsoft.com/office/drawing/2014/main" id="{AD239DD6-B25B-114B-B61D-99B2B525CA95}"/>
+              </a:ext>
+            </a:extLst>
+          </p:cNvPr>
+          <p:cNvSpPr/>
+          <p:nvPr/>
+        </p:nvSpPr>
+        <p:spPr>
+          <a:xfrm rot="16200000">
+            <a:off x="8578620" y="2803464"/>
+            <a:ext cx="225552" cy="4539059"/>
+          </a:xfrm>
+          <a:prstGeom prst="leftBrace">
+            <a:avLst/>
+          </a:prstGeom>
+        </p:spPr>
+        <p:style>
+          <a:lnRef idx="1">
+            <a:schemeClr val="accent1"/>
+          </a:lnRef>
+          <a:fillRef idx="0">
+            <a:schemeClr val="accent1"/>
+          </a:fillRef>
+          <a:effectRef idx="0">
+            <a:schemeClr val="accent1"/>
+          </a:effectRef>
+          <a:fontRef idx="minor">
+            <a:schemeClr val="tx1"/>
+          </a:fontRef>
+        </p:style>
+        <p:txBody>
+          <a:bodyPr rtlCol="0" anchor="ctr"/>
+          <a:lstStyle/>
+          <a:p>
+            <a:pPr algn="ctr"/>
+            <a:endParaRPr lang="en-US" dirty="0"/>
+          </a:p>
+        </p:txBody>
+      </p:sp>
+      <p:sp>
+        <p:nvSpPr>
+          <p:cNvPr id="60" name="TextBox 59">
+            <a:extLst>
+              <a:ext uri="{FF2B5EF4-FFF2-40B4-BE49-F238E27FC236}">
+                <a16:creationId xmlns:a16="http://schemas.microsoft.com/office/drawing/2014/main" id="{42A399E5-8B77-3240-93DF-BC3A547F86C1}"/>
+              </a:ext>
+            </a:extLst>
+          </p:cNvPr>
+          <p:cNvSpPr txBox="1"/>
+          <p:nvPr/>
+        </p:nvSpPr>
+        <p:spPr>
+          <a:xfrm>
+            <a:off x="7474175" y="5195433"/>
+            <a:ext cx="2904757" cy="369332"/>
+          </a:xfrm>
+          <a:prstGeom prst="rect">
+            <a:avLst/>
+          </a:prstGeom>
+          <a:noFill/>
+        </p:spPr>
+        <p:txBody>
+          <a:bodyPr wrap="square" rtlCol="0">
+            <a:spAutoFit/>
+          </a:bodyPr>
+          <a:lstStyle/>
+          <a:p>
+            <a:r>
+              <a:rPr lang="en-US" dirty="0"/>
+              <a:t>Modules required by </a:t>
+            </a:r>
+            <a:r>
+              <a:rPr lang="en-US" dirty="0" err="1"/>
+              <a:t>Guice</a:t>
+            </a:r>
+            <a:endParaRPr lang="en-US" dirty="0"/>
+          </a:p>
+        </p:txBody>
+      </p:sp>
+    </p:spTree>
+    <p:extLst>
+      <p:ext uri="{BB962C8B-B14F-4D97-AF65-F5344CB8AC3E}">
+        <p14:creationId xmlns:p14="http://schemas.microsoft.com/office/powerpoint/2010/main" val="1733770417"/>
+      </p:ext>
+    </p:extLst>
+  </p:cSld>
+  <p:clrMapOvr>
+    <a:masterClrMapping/>
+  </p:clrMapOvr>
+  <p:timing>
+    <p:tnLst>
+      <p:par>
+        <p:cTn id="1" dur="indefinite" restart="never" nodeType="tmRoot">
+          <p:childTnLst>
+            <p:seq concurrent="1" nextAc="seek">
+              <p:cTn id="2" dur="indefinite" nodeType="mainSeq">
+                <p:childTnLst>
+                  <p:par>
+                    <p:cTn id="3" fill="hold">
+                      <p:stCondLst>
+                        <p:cond delay="indefinite"/>
+                      </p:stCondLst>
+                      <p:childTnLst>
+                        <p:par>
+                          <p:cTn id="4" fill="hold">
+                            <p:stCondLst>
+                              <p:cond delay="0"/>
+                            </p:stCondLst>
+                            <p:childTnLst>
+                              <p:par>
+                                <p:cTn id="5" presetID="1" presetClass="entr" presetSubtype="0" fill="hold" nodeType="clickEffect">
+                                  <p:stCondLst>
+                                    <p:cond delay="0"/>
+                                  </p:stCondLst>
+                                  <p:childTnLst>
+                                    <p:set>
+                                      <p:cBhvr>
+                                        <p:cTn id="6" dur="1" fill="hold">
+                                          <p:stCondLst>
+                                            <p:cond delay="0"/>
+                                          </p:stCondLst>
+                                        </p:cTn>
+                                        <p:tgtEl>
+                                          <p:spTgt spid="5"/>
+                                        </p:tgtEl>
+                                        <p:attrNameLst>
+                                          <p:attrName>style.visibility</p:attrName>
+                                        </p:attrNameLst>
+                                      </p:cBhvr>
+                                      <p:to>
+                                        <p:strVal val="visible"/>
+                                      </p:to>
+                                    </p:set>
+                                  </p:childTnLst>
+                                </p:cTn>
+                              </p:par>
+                              <p:par>
+                                <p:cTn id="7" presetID="1" presetClass="entr" presetSubtype="0" fill="hold" grpId="0" nodeType="withEffect">
+                                  <p:stCondLst>
+                                    <p:cond delay="0"/>
+                                  </p:stCondLst>
+                                  <p:childTnLst>
+                                    <p:set>
+                                      <p:cBhvr>
+                                        <p:cTn id="8" dur="1" fill="hold">
+                                          <p:stCondLst>
+                                            <p:cond delay="0"/>
+                                          </p:stCondLst>
+                                        </p:cTn>
+                                        <p:tgtEl>
+                                          <p:spTgt spid="22"/>
+                                        </p:tgtEl>
+                                        <p:attrNameLst>
+                                          <p:attrName>style.visibility</p:attrName>
+                                        </p:attrNameLst>
+                                      </p:cBhvr>
+                                      <p:to>
+                                        <p:strVal val="visible"/>
+                                      </p:to>
+                                    </p:set>
+                                  </p:childTnLst>
+                                </p:cTn>
+                              </p:par>
+                            </p:childTnLst>
+                          </p:cTn>
+                        </p:par>
+                      </p:childTnLst>
+                    </p:cTn>
+                  </p:par>
+                  <p:par>
+                    <p:cTn id="9" fill="hold">
+                      <p:stCondLst>
+                        <p:cond delay="indefinite"/>
+                      </p:stCondLst>
+                      <p:childTnLst>
+                        <p:par>
+                          <p:cTn id="10" fill="hold">
+                            <p:stCondLst>
+                              <p:cond delay="0"/>
+                            </p:stCondLst>
+                            <p:childTnLst>
+                              <p:par>
+                                <p:cTn id="11" presetID="1" presetClass="entr" presetSubtype="0" fill="hold" nodeType="clickEffect">
+                                  <p:stCondLst>
+                                    <p:cond delay="0"/>
+                                  </p:stCondLst>
+                                  <p:childTnLst>
+                                    <p:set>
+                                      <p:cBhvr>
+                                        <p:cTn id="12" dur="1" fill="hold">
+                                          <p:stCondLst>
+                                            <p:cond delay="0"/>
+                                          </p:stCondLst>
+                                        </p:cTn>
+                                        <p:tgtEl>
+                                          <p:spTgt spid="24"/>
+                                        </p:tgtEl>
+                                        <p:attrNameLst>
+                                          <p:attrName>style.visibility</p:attrName>
+                                        </p:attrNameLst>
+                                      </p:cBhvr>
+                                      <p:to>
+                                        <p:strVal val="visible"/>
+                                      </p:to>
+                                    </p:set>
+                                  </p:childTnLst>
+                                </p:cTn>
+                              </p:par>
+                              <p:par>
+                                <p:cTn id="13" presetID="1" presetClass="entr" presetSubtype="0" fill="hold" grpId="0" nodeType="withEffect">
+                                  <p:stCondLst>
+                                    <p:cond delay="0"/>
+                                  </p:stCondLst>
+                                  <p:childTnLst>
+                                    <p:set>
+                                      <p:cBhvr>
+                                        <p:cTn id="14" dur="1" fill="hold">
+                                          <p:stCondLst>
+                                            <p:cond delay="0"/>
+                                          </p:stCondLst>
+                                        </p:cTn>
+                                        <p:tgtEl>
+                                          <p:spTgt spid="25"/>
+                                        </p:tgtEl>
+                                        <p:attrNameLst>
+                                          <p:attrName>style.visibility</p:attrName>
+                                        </p:attrNameLst>
+                                      </p:cBhvr>
+                                      <p:to>
+                                        <p:strVal val="visible"/>
+                                      </p:to>
+                                    </p:set>
+                                  </p:childTnLst>
+                                </p:cTn>
+                              </p:par>
+                              <p:par>
+                                <p:cTn id="15" presetID="1" presetClass="entr" presetSubtype="0" fill="hold" nodeType="withEffect">
+                                  <p:stCondLst>
+                                    <p:cond delay="0"/>
+                                  </p:stCondLst>
+                                  <p:childTnLst>
+                                    <p:set>
+                                      <p:cBhvr>
+                                        <p:cTn id="16" dur="1" fill="hold">
+                                          <p:stCondLst>
+                                            <p:cond delay="0"/>
+                                          </p:stCondLst>
+                                        </p:cTn>
+                                        <p:tgtEl>
+                                          <p:spTgt spid="15"/>
+                                        </p:tgtEl>
+                                        <p:attrNameLst>
+                                          <p:attrName>style.visibility</p:attrName>
+                                        </p:attrNameLst>
+                                      </p:cBhvr>
+                                      <p:to>
+                                        <p:strVal val="visible"/>
+                                      </p:to>
+                                    </p:set>
+                                  </p:childTnLst>
+                                </p:cTn>
+                              </p:par>
+                              <p:par>
+                                <p:cTn id="17" presetID="1" presetClass="entr" presetSubtype="0" fill="hold" grpId="0" nodeType="withEffect">
+                                  <p:stCondLst>
+                                    <p:cond delay="0"/>
+                                  </p:stCondLst>
+                                  <p:childTnLst>
+                                    <p:set>
+                                      <p:cBhvr>
+                                        <p:cTn id="18" dur="1" fill="hold">
+                                          <p:stCondLst>
+                                            <p:cond delay="0"/>
+                                          </p:stCondLst>
+                                        </p:cTn>
+                                        <p:tgtEl>
+                                          <p:spTgt spid="35"/>
+                                        </p:tgtEl>
+                                        <p:attrNameLst>
+                                          <p:attrName>style.visibility</p:attrName>
+                                        </p:attrNameLst>
+                                      </p:cBhvr>
+                                      <p:to>
+                                        <p:strVal val="visible"/>
+                                      </p:to>
+                                    </p:set>
+                                  </p:childTnLst>
+                                </p:cTn>
+                              </p:par>
+                            </p:childTnLst>
+                          </p:cTn>
+                        </p:par>
+                      </p:childTnLst>
+                    </p:cTn>
+                  </p:par>
+                  <p:par>
+                    <p:cTn id="19" fill="hold">
+                      <p:stCondLst>
+                        <p:cond delay="indefinite"/>
+                      </p:stCondLst>
+                      <p:childTnLst>
+                        <p:par>
+                          <p:cTn id="20" fill="hold">
+                            <p:stCondLst>
+                              <p:cond delay="0"/>
+                            </p:stCondLst>
+                            <p:childTnLst>
+                              <p:par>
+                                <p:cTn id="21" presetID="1" presetClass="entr" presetSubtype="0" fill="hold" nodeType="clickEffect">
+                                  <p:stCondLst>
+                                    <p:cond delay="0"/>
+                                  </p:stCondLst>
+                                  <p:childTnLst>
+                                    <p:set>
+                                      <p:cBhvr>
+                                        <p:cTn id="22" dur="1" fill="hold">
+                                          <p:stCondLst>
+                                            <p:cond delay="0"/>
+                                          </p:stCondLst>
+                                        </p:cTn>
+                                        <p:tgtEl>
+                                          <p:spTgt spid="11"/>
+                                        </p:tgtEl>
+                                        <p:attrNameLst>
+                                          <p:attrName>style.visibility</p:attrName>
+                                        </p:attrNameLst>
+                                      </p:cBhvr>
+                                      <p:to>
+                                        <p:strVal val="visible"/>
+                                      </p:to>
+                                    </p:set>
+                                  </p:childTnLst>
+                                </p:cTn>
+                              </p:par>
+                              <p:par>
+                                <p:cTn id="23" presetID="1" presetClass="entr" presetSubtype="0" fill="hold" nodeType="withEffect">
+                                  <p:stCondLst>
+                                    <p:cond delay="0"/>
+                                  </p:stCondLst>
+                                  <p:childTnLst>
+                                    <p:set>
+                                      <p:cBhvr>
+                                        <p:cTn id="24" dur="1" fill="hold">
+                                          <p:stCondLst>
+                                            <p:cond delay="0"/>
+                                          </p:stCondLst>
+                                        </p:cTn>
+                                        <p:tgtEl>
+                                          <p:spTgt spid="27"/>
+                                        </p:tgtEl>
+                                        <p:attrNameLst>
+                                          <p:attrName>style.visibility</p:attrName>
+                                        </p:attrNameLst>
+                                      </p:cBhvr>
+                                      <p:to>
+                                        <p:strVal val="visible"/>
+                                      </p:to>
+                                    </p:set>
+                                  </p:childTnLst>
+                                </p:cTn>
+                              </p:par>
+                              <p:par>
+                                <p:cTn id="25" presetID="1" presetClass="entr" presetSubtype="0" fill="hold" grpId="0" nodeType="withEffect">
+                                  <p:stCondLst>
+                                    <p:cond delay="0"/>
+                                  </p:stCondLst>
+                                  <p:childTnLst>
+                                    <p:set>
+                                      <p:cBhvr>
+                                        <p:cTn id="26" dur="1" fill="hold">
+                                          <p:stCondLst>
+                                            <p:cond delay="0"/>
+                                          </p:stCondLst>
+                                        </p:cTn>
+                                        <p:tgtEl>
+                                          <p:spTgt spid="28"/>
+                                        </p:tgtEl>
+                                        <p:attrNameLst>
+                                          <p:attrName>style.visibility</p:attrName>
+                                        </p:attrNameLst>
+                                      </p:cBhvr>
+                                      <p:to>
+                                        <p:strVal val="visible"/>
+                                      </p:to>
+                                    </p:set>
+                                  </p:childTnLst>
+                                </p:cTn>
+                              </p:par>
+                              <p:par>
+                                <p:cTn id="27" presetID="1" presetClass="entr" presetSubtype="0" fill="hold" grpId="0" nodeType="withEffect">
+                                  <p:stCondLst>
+                                    <p:cond delay="0"/>
+                                  </p:stCondLst>
+                                  <p:childTnLst>
+                                    <p:set>
+                                      <p:cBhvr>
+                                        <p:cTn id="28" dur="1" fill="hold">
+                                          <p:stCondLst>
+                                            <p:cond delay="0"/>
+                                          </p:stCondLst>
+                                        </p:cTn>
+                                        <p:tgtEl>
+                                          <p:spTgt spid="36"/>
+                                        </p:tgtEl>
+                                        <p:attrNameLst>
+                                          <p:attrName>style.visibility</p:attrName>
+                                        </p:attrNameLst>
+                                      </p:cBhvr>
+                                      <p:to>
+                                        <p:strVal val="visible"/>
+                                      </p:to>
+                                    </p:set>
+                                  </p:childTnLst>
+                                </p:cTn>
+                              </p:par>
+                            </p:childTnLst>
+                          </p:cTn>
+                        </p:par>
+                      </p:childTnLst>
+                    </p:cTn>
+                  </p:par>
+                  <p:par>
+                    <p:cTn id="29" fill="hold">
+                      <p:stCondLst>
+                        <p:cond delay="indefinite"/>
+                      </p:stCondLst>
+                      <p:childTnLst>
+                        <p:par>
+                          <p:cTn id="30" fill="hold">
+                            <p:stCondLst>
+                              <p:cond delay="0"/>
+                            </p:stCondLst>
+                            <p:childTnLst>
+                              <p:par>
+                                <p:cTn id="31" presetID="1" presetClass="entr" presetSubtype="0" fill="hold" grpId="0" nodeType="clickEffect">
+                                  <p:stCondLst>
+                                    <p:cond delay="0"/>
+                                  </p:stCondLst>
+                                  <p:childTnLst>
+                                    <p:set>
+                                      <p:cBhvr>
+                                        <p:cTn id="32" dur="1" fill="hold">
+                                          <p:stCondLst>
+                                            <p:cond delay="0"/>
+                                          </p:stCondLst>
+                                        </p:cTn>
+                                        <p:tgtEl>
+                                          <p:spTgt spid="37"/>
+                                        </p:tgtEl>
+                                        <p:attrNameLst>
+                                          <p:attrName>style.visibility</p:attrName>
+                                        </p:attrNameLst>
+                                      </p:cBhvr>
+                                      <p:to>
+                                        <p:strVal val="visible"/>
+                                      </p:to>
+                                    </p:set>
+                                  </p:childTnLst>
+                                </p:cTn>
+                              </p:par>
+                              <p:par>
+                                <p:cTn id="33" presetID="1" presetClass="entr" presetSubtype="0" fill="hold" nodeType="withEffect">
+                                  <p:stCondLst>
+                                    <p:cond delay="0"/>
+                                  </p:stCondLst>
+                                  <p:childTnLst>
+                                    <p:set>
+                                      <p:cBhvr>
+                                        <p:cTn id="34" dur="1" fill="hold">
+                                          <p:stCondLst>
+                                            <p:cond delay="0"/>
+                                          </p:stCondLst>
+                                        </p:cTn>
+                                        <p:tgtEl>
+                                          <p:spTgt spid="34"/>
+                                        </p:tgtEl>
+                                        <p:attrNameLst>
+                                          <p:attrName>style.visibility</p:attrName>
+                                        </p:attrNameLst>
+                                      </p:cBhvr>
+                                      <p:to>
+                                        <p:strVal val="visible"/>
+                                      </p:to>
+                                    </p:set>
+                                  </p:childTnLst>
+                                </p:cTn>
+                              </p:par>
+                              <p:par>
+                                <p:cTn id="35" presetID="1" presetClass="entr" presetSubtype="0" fill="hold" nodeType="withEffect">
+                                  <p:stCondLst>
+                                    <p:cond delay="0"/>
+                                  </p:stCondLst>
+                                  <p:childTnLst>
+                                    <p:set>
+                                      <p:cBhvr>
+                                        <p:cTn id="36" dur="1" fill="hold">
+                                          <p:stCondLst>
+                                            <p:cond delay="0"/>
+                                          </p:stCondLst>
+                                        </p:cTn>
+                                        <p:tgtEl>
+                                          <p:spTgt spid="19"/>
+                                        </p:tgtEl>
+                                        <p:attrNameLst>
+                                          <p:attrName>style.visibility</p:attrName>
+                                        </p:attrNameLst>
+                                      </p:cBhvr>
+                                      <p:to>
+                                        <p:strVal val="visible"/>
+                                      </p:to>
+                                    </p:set>
+                                  </p:childTnLst>
+                                </p:cTn>
+                              </p:par>
+                              <p:par>
+                                <p:cTn id="37" presetID="1" presetClass="entr" presetSubtype="0" fill="hold" grpId="0" nodeType="withEffect">
+                                  <p:stCondLst>
+                                    <p:cond delay="0"/>
+                                  </p:stCondLst>
+                                  <p:childTnLst>
+                                    <p:set>
+                                      <p:cBhvr>
+                                        <p:cTn id="38" dur="1" fill="hold">
+                                          <p:stCondLst>
+                                            <p:cond delay="0"/>
+                                          </p:stCondLst>
+                                        </p:cTn>
+                                        <p:tgtEl>
+                                          <p:spTgt spid="43"/>
+                                        </p:tgtEl>
+                                        <p:attrNameLst>
+                                          <p:attrName>style.visibility</p:attrName>
+                                        </p:attrNameLst>
+                                      </p:cBhvr>
+                                      <p:to>
+                                        <p:strVal val="visible"/>
+                                      </p:to>
+                                    </p:set>
+                                  </p:childTnLst>
+                                </p:cTn>
+                              </p:par>
+                            </p:childTnLst>
+                          </p:cTn>
+                        </p:par>
+                      </p:childTnLst>
+                    </p:cTn>
+                  </p:par>
+                  <p:par>
+                    <p:cTn id="39" fill="hold">
+                      <p:stCondLst>
+                        <p:cond delay="indefinite"/>
+                      </p:stCondLst>
+                      <p:childTnLst>
+                        <p:par>
+                          <p:cTn id="40" fill="hold">
+                            <p:stCondLst>
+                              <p:cond delay="0"/>
+                            </p:stCondLst>
+                            <p:childTnLst>
+                              <p:par>
+                                <p:cTn id="41" presetID="1" presetClass="entr" presetSubtype="0" fill="hold" nodeType="clickEffect">
+                                  <p:stCondLst>
+                                    <p:cond delay="0"/>
+                                  </p:stCondLst>
+                                  <p:childTnLst>
+                                    <p:set>
+                                      <p:cBhvr>
+                                        <p:cTn id="42" dur="1" fill="hold">
+                                          <p:stCondLst>
+                                            <p:cond delay="0"/>
+                                          </p:stCondLst>
+                                        </p:cTn>
+                                        <p:tgtEl>
+                                          <p:spTgt spid="39"/>
+                                        </p:tgtEl>
+                                        <p:attrNameLst>
+                                          <p:attrName>style.visibility</p:attrName>
+                                        </p:attrNameLst>
+                                      </p:cBhvr>
+                                      <p:to>
+                                        <p:strVal val="visible"/>
+                                      </p:to>
+                                    </p:set>
+                                  </p:childTnLst>
+                                </p:cTn>
+                              </p:par>
+                              <p:par>
+                                <p:cTn id="43" presetID="1" presetClass="entr" presetSubtype="0" fill="hold" grpId="0" nodeType="withEffect">
+                                  <p:stCondLst>
+                                    <p:cond delay="0"/>
+                                  </p:stCondLst>
+                                  <p:childTnLst>
+                                    <p:set>
+                                      <p:cBhvr>
+                                        <p:cTn id="44" dur="1" fill="hold">
+                                          <p:stCondLst>
+                                            <p:cond delay="0"/>
+                                          </p:stCondLst>
+                                        </p:cTn>
+                                        <p:tgtEl>
+                                          <p:spTgt spid="40"/>
+                                        </p:tgtEl>
+                                        <p:attrNameLst>
+                                          <p:attrName>style.visibility</p:attrName>
+                                        </p:attrNameLst>
+                                      </p:cBhvr>
+                                      <p:to>
+                                        <p:strVal val="visible"/>
+                                      </p:to>
+                                    </p:set>
+                                  </p:childTnLst>
+                                </p:cTn>
+                              </p:par>
+                              <p:par>
+                                <p:cTn id="45" presetID="1" presetClass="entr" presetSubtype="0" fill="hold" nodeType="withEffect">
+                                  <p:stCondLst>
+                                    <p:cond delay="0"/>
+                                  </p:stCondLst>
+                                  <p:childTnLst>
+                                    <p:set>
+                                      <p:cBhvr>
+                                        <p:cTn id="46" dur="1" fill="hold">
+                                          <p:stCondLst>
+                                            <p:cond delay="0"/>
+                                          </p:stCondLst>
+                                        </p:cTn>
+                                        <p:tgtEl>
+                                          <p:spTgt spid="17"/>
+                                        </p:tgtEl>
+                                        <p:attrNameLst>
+                                          <p:attrName>style.visibility</p:attrName>
+                                        </p:attrNameLst>
+                                      </p:cBhvr>
+                                      <p:to>
+                                        <p:strVal val="visible"/>
+                                      </p:to>
+                                    </p:set>
+                                  </p:childTnLst>
+                                </p:cTn>
+                              </p:par>
+                              <p:par>
+                                <p:cTn id="47" presetID="1" presetClass="entr" presetSubtype="0" fill="hold" grpId="0" nodeType="withEffect">
+                                  <p:stCondLst>
+                                    <p:cond delay="0"/>
+                                  </p:stCondLst>
+                                  <p:childTnLst>
+                                    <p:set>
+                                      <p:cBhvr>
+                                        <p:cTn id="48" dur="1" fill="hold">
+                                          <p:stCondLst>
+                                            <p:cond delay="0"/>
+                                          </p:stCondLst>
+                                        </p:cTn>
+                                        <p:tgtEl>
+                                          <p:spTgt spid="44"/>
+                                        </p:tgtEl>
+                                        <p:attrNameLst>
+                                          <p:attrName>style.visibility</p:attrName>
+                                        </p:attrNameLst>
+                                      </p:cBhvr>
+                                      <p:to>
+                                        <p:strVal val="visible"/>
+                                      </p:to>
+                                    </p:set>
+                                  </p:childTnLst>
+                                </p:cTn>
+                              </p:par>
+                            </p:childTnLst>
+                          </p:cTn>
+                        </p:par>
+                      </p:childTnLst>
+                    </p:cTn>
+                  </p:par>
+                  <p:par>
+                    <p:cTn id="49" fill="hold">
+                      <p:stCondLst>
+                        <p:cond delay="indefinite"/>
+                      </p:stCondLst>
+                      <p:childTnLst>
+                        <p:par>
+                          <p:cTn id="50" fill="hold">
+                            <p:stCondLst>
+                              <p:cond delay="0"/>
+                            </p:stCondLst>
+                            <p:childTnLst>
+                              <p:par>
+                                <p:cTn id="51" presetID="1" presetClass="entr" presetSubtype="0" fill="hold" nodeType="clickEffect">
+                                  <p:stCondLst>
+                                    <p:cond delay="0"/>
+                                  </p:stCondLst>
+                                  <p:childTnLst>
+                                    <p:set>
+                                      <p:cBhvr>
+                                        <p:cTn id="52" dur="1" fill="hold">
+                                          <p:stCondLst>
+                                            <p:cond delay="0"/>
+                                          </p:stCondLst>
+                                        </p:cTn>
+                                        <p:tgtEl>
+                                          <p:spTgt spid="46"/>
+                                        </p:tgtEl>
+                                        <p:attrNameLst>
+                                          <p:attrName>style.visibility</p:attrName>
+                                        </p:attrNameLst>
+                                      </p:cBhvr>
+                                      <p:to>
+                                        <p:strVal val="visible"/>
+                                      </p:to>
+                                    </p:set>
+                                  </p:childTnLst>
+                                </p:cTn>
+                              </p:par>
+                              <p:par>
+                                <p:cTn id="53" presetID="1" presetClass="entr" presetSubtype="0" fill="hold" grpId="0" nodeType="withEffect">
+                                  <p:stCondLst>
+                                    <p:cond delay="0"/>
+                                  </p:stCondLst>
+                                  <p:childTnLst>
+                                    <p:set>
+                                      <p:cBhvr>
+                                        <p:cTn id="54" dur="1" fill="hold">
+                                          <p:stCondLst>
+                                            <p:cond delay="0"/>
+                                          </p:stCondLst>
+                                        </p:cTn>
+                                        <p:tgtEl>
+                                          <p:spTgt spid="47"/>
+                                        </p:tgtEl>
+                                        <p:attrNameLst>
+                                          <p:attrName>style.visibility</p:attrName>
+                                        </p:attrNameLst>
+                                      </p:cBhvr>
+                                      <p:to>
+                                        <p:strVal val="visible"/>
+                                      </p:to>
+                                    </p:set>
+                                  </p:childTnLst>
+                                </p:cTn>
+                              </p:par>
+                              <p:par>
+                                <p:cTn id="55" presetID="1" presetClass="entr" presetSubtype="0" fill="hold" nodeType="withEffect">
+                                  <p:stCondLst>
+                                    <p:cond delay="0"/>
+                                  </p:stCondLst>
+                                  <p:childTnLst>
+                                    <p:set>
+                                      <p:cBhvr>
+                                        <p:cTn id="56" dur="1" fill="hold">
+                                          <p:stCondLst>
+                                            <p:cond delay="0"/>
+                                          </p:stCondLst>
+                                        </p:cTn>
+                                        <p:tgtEl>
+                                          <p:spTgt spid="21"/>
+                                        </p:tgtEl>
+                                        <p:attrNameLst>
+                                          <p:attrName>style.visibility</p:attrName>
+                                        </p:attrNameLst>
+                                      </p:cBhvr>
+                                      <p:to>
+                                        <p:strVal val="visible"/>
+                                      </p:to>
+                                    </p:set>
+                                  </p:childTnLst>
+                                </p:cTn>
+                              </p:par>
+                              <p:par>
+                                <p:cTn id="57" presetID="1" presetClass="entr" presetSubtype="0" fill="hold" grpId="0" nodeType="withEffect">
+                                  <p:stCondLst>
+                                    <p:cond delay="0"/>
+                                  </p:stCondLst>
+                                  <p:childTnLst>
+                                    <p:set>
+                                      <p:cBhvr>
+                                        <p:cTn id="58" dur="1" fill="hold">
+                                          <p:stCondLst>
+                                            <p:cond delay="0"/>
+                                          </p:stCondLst>
+                                        </p:cTn>
+                                        <p:tgtEl>
+                                          <p:spTgt spid="48"/>
+                                        </p:tgtEl>
+                                        <p:attrNameLst>
+                                          <p:attrName>style.visibility</p:attrName>
+                                        </p:attrNameLst>
+                                      </p:cBhvr>
+                                      <p:to>
+                                        <p:strVal val="visible"/>
+                                      </p:to>
+                                    </p:set>
+                                  </p:childTnLst>
+                                </p:cTn>
+                              </p:par>
+                            </p:childTnLst>
+                          </p:cTn>
+                        </p:par>
+                      </p:childTnLst>
+                    </p:cTn>
+                  </p:par>
+                  <p:par>
+                    <p:cTn id="59" fill="hold">
+                      <p:stCondLst>
+                        <p:cond delay="indefinite"/>
+                      </p:stCondLst>
+                      <p:childTnLst>
+                        <p:par>
+                          <p:cTn id="60" fill="hold">
+                            <p:stCondLst>
+                              <p:cond delay="0"/>
+                            </p:stCondLst>
+                            <p:childTnLst>
+                              <p:par>
+                                <p:cTn id="61" presetID="1" presetClass="entr" presetSubtype="0" fill="hold" nodeType="clickEffect">
+                                  <p:stCondLst>
+                                    <p:cond delay="0"/>
+                                  </p:stCondLst>
+                                  <p:childTnLst>
+                                    <p:set>
+                                      <p:cBhvr>
+                                        <p:cTn id="62" dur="1" fill="hold">
+                                          <p:stCondLst>
+                                            <p:cond delay="0"/>
+                                          </p:stCondLst>
+                                        </p:cTn>
+                                        <p:tgtEl>
+                                          <p:spTgt spid="7"/>
+                                        </p:tgtEl>
+                                        <p:attrNameLst>
+                                          <p:attrName>style.visibility</p:attrName>
+                                        </p:attrNameLst>
+                                      </p:cBhvr>
+                                      <p:to>
+                                        <p:strVal val="visible"/>
+                                      </p:to>
+                                    </p:set>
+                                  </p:childTnLst>
+                                </p:cTn>
+                              </p:par>
+                              <p:par>
+                                <p:cTn id="63" presetID="1" presetClass="entr" presetSubtype="0" fill="hold" nodeType="withEffect">
+                                  <p:stCondLst>
+                                    <p:cond delay="0"/>
+                                  </p:stCondLst>
+                                  <p:childTnLst>
+                                    <p:set>
+                                      <p:cBhvr>
+                                        <p:cTn id="64" dur="1" fill="hold">
+                                          <p:stCondLst>
+                                            <p:cond delay="0"/>
+                                          </p:stCondLst>
+                                        </p:cTn>
+                                        <p:tgtEl>
+                                          <p:spTgt spid="50"/>
+                                        </p:tgtEl>
+                                        <p:attrNameLst>
+                                          <p:attrName>style.visibility</p:attrName>
+                                        </p:attrNameLst>
+                                      </p:cBhvr>
+                                      <p:to>
+                                        <p:strVal val="visible"/>
+                                      </p:to>
+                                    </p:set>
+                                  </p:childTnLst>
+                                </p:cTn>
+                              </p:par>
+                              <p:par>
+                                <p:cTn id="65" presetID="1" presetClass="entr" presetSubtype="0" fill="hold" grpId="0" nodeType="withEffect">
+                                  <p:stCondLst>
+                                    <p:cond delay="0"/>
+                                  </p:stCondLst>
+                                  <p:childTnLst>
+                                    <p:set>
+                                      <p:cBhvr>
+                                        <p:cTn id="66" dur="1" fill="hold">
+                                          <p:stCondLst>
+                                            <p:cond delay="0"/>
+                                          </p:stCondLst>
+                                        </p:cTn>
+                                        <p:tgtEl>
+                                          <p:spTgt spid="55"/>
+                                        </p:tgtEl>
+                                        <p:attrNameLst>
+                                          <p:attrName>style.visibility</p:attrName>
+                                        </p:attrNameLst>
+                                      </p:cBhvr>
+                                      <p:to>
+                                        <p:strVal val="visible"/>
+                                      </p:to>
+                                    </p:set>
+                                  </p:childTnLst>
+                                </p:cTn>
+                              </p:par>
+                              <p:par>
+                                <p:cTn id="67" presetID="1" presetClass="entr" presetSubtype="0" fill="hold" grpId="0" nodeType="withEffect">
+                                  <p:stCondLst>
+                                    <p:cond delay="0"/>
+                                  </p:stCondLst>
+                                  <p:childTnLst>
+                                    <p:set>
+                                      <p:cBhvr>
+                                        <p:cTn id="68" dur="1" fill="hold">
+                                          <p:stCondLst>
+                                            <p:cond delay="0"/>
+                                          </p:stCondLst>
+                                        </p:cTn>
+                                        <p:tgtEl>
+                                          <p:spTgt spid="57"/>
+                                        </p:tgtEl>
+                                        <p:attrNameLst>
+                                          <p:attrName>style.visibility</p:attrName>
+                                        </p:attrNameLst>
+                                      </p:cBhvr>
+                                      <p:to>
+                                        <p:strVal val="visible"/>
+                                      </p:to>
+                                    </p:set>
+                                  </p:childTnLst>
+                                </p:cTn>
+                              </p:par>
+                            </p:childTnLst>
+                          </p:cTn>
+                        </p:par>
+                      </p:childTnLst>
+                    </p:cTn>
+                  </p:par>
+                  <p:par>
+                    <p:cTn id="69" fill="hold">
+                      <p:stCondLst>
+                        <p:cond delay="indefinite"/>
+                      </p:stCondLst>
+                      <p:childTnLst>
+                        <p:par>
+                          <p:cTn id="70" fill="hold">
+                            <p:stCondLst>
+                              <p:cond delay="0"/>
+                            </p:stCondLst>
+                            <p:childTnLst>
+                              <p:par>
+                                <p:cTn id="71" presetID="1" presetClass="entr" presetSubtype="0" fill="hold" nodeType="clickEffect">
+                                  <p:stCondLst>
+                                    <p:cond delay="0"/>
+                                  </p:stCondLst>
+                                  <p:childTnLst>
+                                    <p:set>
+                                      <p:cBhvr>
+                                        <p:cTn id="72" dur="1" fill="hold">
+                                          <p:stCondLst>
+                                            <p:cond delay="0"/>
+                                          </p:stCondLst>
+                                        </p:cTn>
+                                        <p:tgtEl>
+                                          <p:spTgt spid="9"/>
+                                        </p:tgtEl>
+                                        <p:attrNameLst>
+                                          <p:attrName>style.visibility</p:attrName>
+                                        </p:attrNameLst>
+                                      </p:cBhvr>
+                                      <p:to>
+                                        <p:strVal val="visible"/>
+                                      </p:to>
+                                    </p:set>
+                                  </p:childTnLst>
+                                </p:cTn>
+                              </p:par>
+                              <p:par>
+                                <p:cTn id="73" presetID="1" presetClass="entr" presetSubtype="0" fill="hold" nodeType="withEffect">
+                                  <p:stCondLst>
+                                    <p:cond delay="0"/>
+                                  </p:stCondLst>
+                                  <p:childTnLst>
+                                    <p:set>
+                                      <p:cBhvr>
+                                        <p:cTn id="74" dur="1" fill="hold">
+                                          <p:stCondLst>
+                                            <p:cond delay="0"/>
+                                          </p:stCondLst>
+                                        </p:cTn>
+                                        <p:tgtEl>
+                                          <p:spTgt spid="13"/>
+                                        </p:tgtEl>
+                                        <p:attrNameLst>
+                                          <p:attrName>style.visibility</p:attrName>
+                                        </p:attrNameLst>
+                                      </p:cBhvr>
+                                      <p:to>
+                                        <p:strVal val="visible"/>
+                                      </p:to>
+                                    </p:set>
+                                  </p:childTnLst>
+                                </p:cTn>
+                              </p:par>
+                              <p:par>
+                                <p:cTn id="75" presetID="1" presetClass="entr" presetSubtype="0" fill="hold" grpId="0" nodeType="withEffect">
+                                  <p:stCondLst>
+                                    <p:cond delay="0"/>
+                                  </p:stCondLst>
+                                  <p:childTnLst>
+                                    <p:set>
+                                      <p:cBhvr>
+                                        <p:cTn id="76" dur="1" fill="hold">
+                                          <p:stCondLst>
+                                            <p:cond delay="0"/>
+                                          </p:stCondLst>
+                                        </p:cTn>
+                                        <p:tgtEl>
+                                          <p:spTgt spid="59"/>
+                                        </p:tgtEl>
+                                        <p:attrNameLst>
+                                          <p:attrName>style.visibility</p:attrName>
+                                        </p:attrNameLst>
+                                      </p:cBhvr>
+                                      <p:to>
+                                        <p:strVal val="visible"/>
+                                      </p:to>
+                                    </p:set>
+                                  </p:childTnLst>
+                                </p:cTn>
+                              </p:par>
+                              <p:par>
+                                <p:cTn id="77" presetID="1" presetClass="entr" presetSubtype="0" fill="hold" grpId="0" nodeType="withEffect">
+                                  <p:stCondLst>
+                                    <p:cond delay="0"/>
+                                  </p:stCondLst>
+                                  <p:childTnLst>
+                                    <p:set>
+                                      <p:cBhvr>
+                                        <p:cTn id="78" dur="1" fill="hold">
+                                          <p:stCondLst>
+                                            <p:cond delay="0"/>
+                                          </p:stCondLst>
+                                        </p:cTn>
+                                        <p:tgtEl>
+                                          <p:spTgt spid="60"/>
+                                        </p:tgtEl>
+                                        <p:attrNameLst>
+                                          <p:attrName>style.visibility</p:attrName>
+                                        </p:attrNameLst>
+                                      </p:cBhvr>
+                                      <p:to>
+                                        <p:strVal val="visible"/>
+                                      </p:to>
+                                    </p:set>
+                                  </p:childTnLst>
+                                </p:cTn>
+                              </p:par>
+                            </p:childTnLst>
+                          </p:cTn>
+                        </p:par>
+                      </p:childTnLst>
+                    </p:cTn>
+                  </p:par>
+                </p:childTnLst>
+              </p:cTn>
+              <p:prevCondLst>
+                <p:cond evt="onPrev" delay="0">
+                  <p:tgtEl>
+                    <p:sldTgt/>
+                  </p:tgtEl>
+                </p:cond>
+              </p:prevCondLst>
+              <p:nextCondLst>
+                <p:cond evt="onNext" delay="0">
+                  <p:tgtEl>
+                    <p:sldTgt/>
+                  </p:tgtEl>
+                </p:cond>
+              </p:nextCondLst>
+            </p:seq>
+          </p:childTnLst>
+        </p:cTn>
+      </p:par>
+    </p:tnLst>
+    <p:bldLst>
+      <p:bldP spid="22" grpId="0"/>
+      <p:bldP spid="25" grpId="0"/>
+      <p:bldP spid="28" grpId="0"/>
+      <p:bldP spid="35" grpId="0"/>
+      <p:bldP spid="36" grpId="0"/>
+      <p:bldP spid="37" grpId="0"/>
+      <p:bldP spid="40" grpId="0"/>
+      <p:bldP spid="43" grpId="0"/>
+      <p:bldP spid="44" grpId="0"/>
+      <p:bldP spid="47" grpId="0"/>
+      <p:bldP spid="48" grpId="0"/>
+      <p:bldP spid="55" grpId="0"/>
+      <p:bldP spid="57" grpId="0"/>
+      <p:bldP spid="59" grpId="0" animBg="1"/>
+      <p:bldP spid="60" grpId="0"/>
+    </p:bldLst>
+  </p:timing>
+</p:sld>
+</file>
+
+<file path=ppt/slides/slide5.xml><?xml version="1.0" encoding="utf-8"?>
+<p:sld xmlns:a="http://schemas.openxmlformats.org/drawingml/2006/main" xmlns:r="http://schemas.openxmlformats.org/officeDocument/2006/relationships" xmlns:p="http://schemas.openxmlformats.org/presentationml/2006/main">
+  <p:cSld>
+    <p:spTree>
+      <p:nvGrpSpPr>
+        <p:cNvPr id="1" name=""/>
+        <p:cNvGrpSpPr/>
+        <p:nvPr/>
+      </p:nvGrpSpPr>
+      <p:grpSpPr>
+        <a:xfrm>
+          <a:off x="0" y="0"/>
+          <a:ext cx="0" cy="0"/>
+          <a:chOff x="0" y="0"/>
+          <a:chExt cx="0" cy="0"/>
+        </a:xfrm>
+      </p:grpSpPr>
+      <p:sp>
+        <p:nvSpPr>
+          <p:cNvPr id="2" name="Title 1">
+            <a:extLst>
+              <a:ext uri="{FF2B5EF4-FFF2-40B4-BE49-F238E27FC236}">
                 <a16:creationId xmlns:a16="http://schemas.microsoft.com/office/drawing/2014/main" id="{BEF547AF-260B-0F41-8560-DD0C9CCEB8AD}"/>
               </a:ext>
             </a:extLst>
@@ -5999,7 +9978,7 @@
 </p:sld>
 </file>
 
-<file path=ppt/slides/slide5.xml><?xml version="1.0" encoding="utf-8"?>
+<file path=ppt/slides/slide6.xml><?xml version="1.0" encoding="utf-8"?>
 <p:sld xmlns:a="http://schemas.openxmlformats.org/drawingml/2006/main" xmlns:r="http://schemas.openxmlformats.org/officeDocument/2006/relationships" xmlns:p="http://schemas.openxmlformats.org/presentationml/2006/main">
   <p:cSld>
     <p:spTree>
@@ -6071,7 +10050,7 @@
           <a:p>
             <a:r>
               <a:rPr lang="en-US" dirty="0"/>
-              <a:t>1. Get a Injector</a:t>
+              <a:t>1. Get an Injector</a:t>
             </a:r>
           </a:p>
           <a:p>
@@ -6090,6 +10069,15 @@
             <a:r>
               <a:rPr lang="en-US" dirty="0"/>
               <a:t>4. Apply some functions to investigate all stocks we have</a:t>
+            </a:r>
+          </a:p>
+          <a:p>
+            <a:endParaRPr lang="en-US" dirty="0"/>
+          </a:p>
+          <a:p>
+            <a:r>
+              <a:rPr lang="en-US" dirty="0"/>
+              <a:t>Go to the code</a:t>
             </a:r>
           </a:p>
         </p:txBody>
@@ -6107,7 +10095,7 @@
 </p:sld>
 </file>
 
-<file path=ppt/slides/slide6.xml><?xml version="1.0" encoding="utf-8"?>
+<file path=ppt/slides/slide7.xml><?xml version="1.0" encoding="utf-8"?>
 <p:sld xmlns:a="http://schemas.openxmlformats.org/drawingml/2006/main" xmlns:r="http://schemas.openxmlformats.org/officeDocument/2006/relationships" xmlns:p="http://schemas.openxmlformats.org/presentationml/2006/main">
   <p:cSld>
     <p:spTree>
@@ -6874,7 +10862,7 @@
 </p:sld>
 </file>
 
-<file path=ppt/slides/slide7.xml><?xml version="1.0" encoding="utf-8"?>
+<file path=ppt/slides/slide8.xml><?xml version="1.0" encoding="utf-8"?>
 <p:sld xmlns:a="http://schemas.openxmlformats.org/drawingml/2006/main" xmlns:r="http://schemas.openxmlformats.org/officeDocument/2006/relationships" xmlns:p="http://schemas.openxmlformats.org/presentationml/2006/main">
   <p:cSld>
     <p:spTree>
@@ -6893,10 +10881,10 @@
       </p:grpSpPr>
       <p:sp>
         <p:nvSpPr>
-          <p:cNvPr id="5" name="Title 4">
-            <a:extLst>
-              <a:ext uri="{FF2B5EF4-FFF2-40B4-BE49-F238E27FC236}">
-                <a16:creationId xmlns:a16="http://schemas.microsoft.com/office/drawing/2014/main" id="{02C78790-1B12-A74E-9C1D-F3979F007F96}"/>
+          <p:cNvPr id="2" name="Title 1">
+            <a:extLst>
+              <a:ext uri="{FF2B5EF4-FFF2-40B4-BE49-F238E27FC236}">
+                <a16:creationId xmlns:a16="http://schemas.microsoft.com/office/drawing/2014/main" id="{F4141018-7408-1042-93EE-FF451AE7FFA6}"/>
               </a:ext>
             </a:extLst>
           </p:cNvPr>
@@ -6914,7 +10902,295 @@
           <a:p>
             <a:r>
               <a:rPr lang="en-US" dirty="0"/>
-              <a:t>A glance of the Stock Object</a:t>
+              <a:t>The Stock Interface and </a:t>
+            </a:r>
+            <a:r>
+              <a:rPr lang="en-US" dirty="0" err="1"/>
+              <a:t>StockImpl</a:t>
+            </a:r>
+            <a:r>
+              <a:rPr lang="en-US" dirty="0"/>
+              <a:t> Class</a:t>
+            </a:r>
+          </a:p>
+        </p:txBody>
+      </p:sp>
+      <p:pic>
+        <p:nvPicPr>
+          <p:cNvPr id="14" name="Content Placeholder 13">
+            <a:extLst>
+              <a:ext uri="{FF2B5EF4-FFF2-40B4-BE49-F238E27FC236}">
+                <a16:creationId xmlns:a16="http://schemas.microsoft.com/office/drawing/2014/main" id="{CCDEC477-A75D-D04F-ACF5-A0056D910248}"/>
+              </a:ext>
+            </a:extLst>
+          </p:cNvPr>
+          <p:cNvPicPr>
+            <a:picLocks noGrp="1" noChangeAspect="1"/>
+          </p:cNvPicPr>
+          <p:nvPr>
+            <p:ph sz="half" idx="1"/>
+          </p:nvPr>
+        </p:nvPicPr>
+        <p:blipFill>
+          <a:blip r:embed="rId3"/>
+          <a:stretch>
+            <a:fillRect/>
+          </a:stretch>
+        </p:blipFill>
+        <p:spPr>
+          <a:xfrm>
+            <a:off x="581335" y="2291938"/>
+            <a:ext cx="4314927" cy="2561988"/>
+          </a:xfrm>
+        </p:spPr>
+      </p:pic>
+      <p:sp>
+        <p:nvSpPr>
+          <p:cNvPr id="12" name="Content Placeholder 11">
+            <a:extLst>
+              <a:ext uri="{FF2B5EF4-FFF2-40B4-BE49-F238E27FC236}">
+                <a16:creationId xmlns:a16="http://schemas.microsoft.com/office/drawing/2014/main" id="{5CD73320-9536-EF45-ABC3-5614B2079963}"/>
+              </a:ext>
+            </a:extLst>
+          </p:cNvPr>
+          <p:cNvSpPr>
+            <a:spLocks noGrp="1"/>
+          </p:cNvSpPr>
+          <p:nvPr>
+            <p:ph sz="half" idx="2"/>
+          </p:nvPr>
+        </p:nvSpPr>
+        <p:spPr/>
+        <p:txBody>
+          <a:bodyPr/>
+          <a:lstStyle/>
+          <a:p>
+            <a:endParaRPr lang="en-US" dirty="0"/>
+          </a:p>
+        </p:txBody>
+      </p:sp>
+      <p:cxnSp>
+        <p:nvCxnSpPr>
+          <p:cNvPr id="17" name="Straight Arrow Connector 16">
+            <a:extLst>
+              <a:ext uri="{FF2B5EF4-FFF2-40B4-BE49-F238E27FC236}">
+                <a16:creationId xmlns:a16="http://schemas.microsoft.com/office/drawing/2014/main" id="{FD30EA53-05F8-7F43-A830-DDD177DBB7AC}"/>
+              </a:ext>
+            </a:extLst>
+          </p:cNvPr>
+          <p:cNvCxnSpPr>
+            <a:cxnSpLocks/>
+          </p:cNvCxnSpPr>
+          <p:nvPr/>
+        </p:nvCxnSpPr>
+        <p:spPr>
+          <a:xfrm flipH="1">
+            <a:off x="3337560" y="3022408"/>
+            <a:ext cx="2834640" cy="0"/>
+          </a:xfrm>
+          <a:prstGeom prst="straightConnector1">
+            <a:avLst/>
+          </a:prstGeom>
+          <a:ln w="104775">
+            <a:solidFill>
+              <a:schemeClr val="accent2">
+                <a:lumMod val="75000"/>
+              </a:schemeClr>
+            </a:solidFill>
+            <a:tailEnd type="triangle"/>
+          </a:ln>
+        </p:spPr>
+        <p:style>
+          <a:lnRef idx="1">
+            <a:schemeClr val="accent1"/>
+          </a:lnRef>
+          <a:fillRef idx="0">
+            <a:schemeClr val="accent1"/>
+          </a:fillRef>
+          <a:effectRef idx="0">
+            <a:schemeClr val="accent1"/>
+          </a:effectRef>
+          <a:fontRef idx="minor">
+            <a:schemeClr val="tx1"/>
+          </a:fontRef>
+        </p:style>
+      </p:cxnSp>
+      <p:sp>
+        <p:nvSpPr>
+          <p:cNvPr id="18" name="TextBox 17">
+            <a:extLst>
+              <a:ext uri="{FF2B5EF4-FFF2-40B4-BE49-F238E27FC236}">
+                <a16:creationId xmlns:a16="http://schemas.microsoft.com/office/drawing/2014/main" id="{F5405C0A-42CA-CE47-8759-6D0AF179EF83}"/>
+              </a:ext>
+            </a:extLst>
+          </p:cNvPr>
+          <p:cNvSpPr txBox="1"/>
+          <p:nvPr/>
+        </p:nvSpPr>
+        <p:spPr>
+          <a:xfrm>
+            <a:off x="6233886" y="2790489"/>
+            <a:ext cx="3680756" cy="830997"/>
+          </a:xfrm>
+          <a:prstGeom prst="rect">
+            <a:avLst/>
+          </a:prstGeom>
+          <a:noFill/>
+        </p:spPr>
+        <p:txBody>
+          <a:bodyPr wrap="square" rtlCol="0">
+            <a:spAutoFit/>
+          </a:bodyPr>
+          <a:lstStyle/>
+          <a:p>
+            <a:r>
+              <a:rPr lang="en-US" sz="2400" dirty="0"/>
+              <a:t>Defines an interface for Stock</a:t>
+            </a:r>
+          </a:p>
+        </p:txBody>
+      </p:sp>
+      <p:cxnSp>
+        <p:nvCxnSpPr>
+          <p:cNvPr id="19" name="Straight Arrow Connector 18">
+            <a:extLst>
+              <a:ext uri="{FF2B5EF4-FFF2-40B4-BE49-F238E27FC236}">
+                <a16:creationId xmlns:a16="http://schemas.microsoft.com/office/drawing/2014/main" id="{0B7E5D56-62D8-3243-9831-BEF4F37CC3AC}"/>
+              </a:ext>
+            </a:extLst>
+          </p:cNvPr>
+          <p:cNvCxnSpPr>
+            <a:cxnSpLocks/>
+          </p:cNvCxnSpPr>
+          <p:nvPr/>
+        </p:nvCxnSpPr>
+        <p:spPr>
+          <a:xfrm flipH="1">
+            <a:off x="3859479" y="4161619"/>
+            <a:ext cx="2834640" cy="0"/>
+          </a:xfrm>
+          <a:prstGeom prst="straightConnector1">
+            <a:avLst/>
+          </a:prstGeom>
+          <a:ln w="104775">
+            <a:solidFill>
+              <a:srgbClr val="00B0F0"/>
+            </a:solidFill>
+            <a:tailEnd type="triangle"/>
+          </a:ln>
+        </p:spPr>
+        <p:style>
+          <a:lnRef idx="1">
+            <a:schemeClr val="accent1"/>
+          </a:lnRef>
+          <a:fillRef idx="0">
+            <a:schemeClr val="accent1"/>
+          </a:fillRef>
+          <a:effectRef idx="0">
+            <a:schemeClr val="accent1"/>
+          </a:effectRef>
+          <a:fontRef idx="minor">
+            <a:schemeClr val="tx1"/>
+          </a:fontRef>
+        </p:style>
+      </p:cxnSp>
+      <p:sp>
+        <p:nvSpPr>
+          <p:cNvPr id="20" name="TextBox 19">
+            <a:extLst>
+              <a:ext uri="{FF2B5EF4-FFF2-40B4-BE49-F238E27FC236}">
+                <a16:creationId xmlns:a16="http://schemas.microsoft.com/office/drawing/2014/main" id="{CE63B2AF-FB61-164B-BA2A-B3C4FD42157F}"/>
+              </a:ext>
+            </a:extLst>
+          </p:cNvPr>
+          <p:cNvSpPr txBox="1"/>
+          <p:nvPr/>
+        </p:nvSpPr>
+        <p:spPr>
+          <a:xfrm>
+            <a:off x="6755805" y="3929700"/>
+            <a:ext cx="4026990" cy="461665"/>
+          </a:xfrm>
+          <a:prstGeom prst="rect">
+            <a:avLst/>
+          </a:prstGeom>
+          <a:noFill/>
+        </p:spPr>
+        <p:txBody>
+          <a:bodyPr wrap="square" rtlCol="0">
+            <a:spAutoFit/>
+          </a:bodyPr>
+          <a:lstStyle/>
+          <a:p>
+            <a:r>
+              <a:rPr lang="en-US" sz="2400" dirty="0"/>
+              <a:t>Implement the Stock interface</a:t>
+            </a:r>
+          </a:p>
+        </p:txBody>
+      </p:sp>
+    </p:spTree>
+    <p:extLst>
+      <p:ext uri="{BB962C8B-B14F-4D97-AF65-F5344CB8AC3E}">
+        <p14:creationId xmlns:p14="http://schemas.microsoft.com/office/powerpoint/2010/main" val="2659825092"/>
+      </p:ext>
+    </p:extLst>
+  </p:cSld>
+  <p:clrMapOvr>
+    <a:masterClrMapping/>
+  </p:clrMapOvr>
+</p:sld>
+</file>
+
+<file path=ppt/slides/slide9.xml><?xml version="1.0" encoding="utf-8"?>
+<p:sld xmlns:a="http://schemas.openxmlformats.org/drawingml/2006/main" xmlns:r="http://schemas.openxmlformats.org/officeDocument/2006/relationships" xmlns:p="http://schemas.openxmlformats.org/presentationml/2006/main">
+  <p:cSld>
+    <p:spTree>
+      <p:nvGrpSpPr>
+        <p:cNvPr id="1" name=""/>
+        <p:cNvGrpSpPr/>
+        <p:nvPr/>
+      </p:nvGrpSpPr>
+      <p:grpSpPr>
+        <a:xfrm>
+          <a:off x="0" y="0"/>
+          <a:ext cx="0" cy="0"/>
+          <a:chOff x="0" y="0"/>
+          <a:chExt cx="0" cy="0"/>
+        </a:xfrm>
+      </p:grpSpPr>
+      <p:sp>
+        <p:nvSpPr>
+          <p:cNvPr id="5" name="Title 4">
+            <a:extLst>
+              <a:ext uri="{FF2B5EF4-FFF2-40B4-BE49-F238E27FC236}">
+                <a16:creationId xmlns:a16="http://schemas.microsoft.com/office/drawing/2014/main" id="{02C78790-1B12-A74E-9C1D-F3979F007F96}"/>
+              </a:ext>
+            </a:extLst>
+          </p:cNvPr>
+          <p:cNvSpPr>
+            <a:spLocks noGrp="1"/>
+          </p:cNvSpPr>
+          <p:nvPr>
+            <p:ph type="title"/>
+          </p:nvPr>
+        </p:nvSpPr>
+        <p:spPr/>
+        <p:txBody>
+          <a:bodyPr/>
+          <a:lstStyle/>
+          <a:p>
+            <a:r>
+              <a:rPr lang="en-US" dirty="0"/>
+              <a:t>A glance of a </a:t>
+            </a:r>
+            <a:r>
+              <a:rPr lang="en-US" dirty="0" err="1"/>
+              <a:t>StockImpl</a:t>
+            </a:r>
+            <a:r>
+              <a:rPr lang="en-US" dirty="0"/>
+              <a:t> instance</a:t>
             </a:r>
           </a:p>
         </p:txBody>
@@ -7057,7 +11333,7 @@
           <a:p>
             <a:r>
               <a:rPr lang="en-US" sz="2800" dirty="0"/>
-              <a:t>All Fields in the Stock Object</a:t>
+              <a:t>All Fields in a Stock Class</a:t>
             </a:r>
           </a:p>
         </p:txBody>
@@ -7671,288 +11947,6 @@
       <p:bldP spid="29" grpId="0"/>
     </p:bldLst>
   </p:timing>
-</p:sld>
-</file>
-
-<file path=ppt/slides/slide8.xml><?xml version="1.0" encoding="utf-8"?>
-<p:sld xmlns:a="http://schemas.openxmlformats.org/drawingml/2006/main" xmlns:r="http://schemas.openxmlformats.org/officeDocument/2006/relationships" xmlns:p="http://schemas.openxmlformats.org/presentationml/2006/main">
-  <p:cSld>
-    <p:spTree>
-      <p:nvGrpSpPr>
-        <p:cNvPr id="1" name=""/>
-        <p:cNvGrpSpPr/>
-        <p:nvPr/>
-      </p:nvGrpSpPr>
-      <p:grpSpPr>
-        <a:xfrm>
-          <a:off x="0" y="0"/>
-          <a:ext cx="0" cy="0"/>
-          <a:chOff x="0" y="0"/>
-          <a:chExt cx="0" cy="0"/>
-        </a:xfrm>
-      </p:grpSpPr>
-      <p:sp>
-        <p:nvSpPr>
-          <p:cNvPr id="2" name="Title 1">
-            <a:extLst>
-              <a:ext uri="{FF2B5EF4-FFF2-40B4-BE49-F238E27FC236}">
-                <a16:creationId xmlns:a16="http://schemas.microsoft.com/office/drawing/2014/main" id="{435F3417-874D-5449-8230-D0E83CE05B82}"/>
-              </a:ext>
-            </a:extLst>
-          </p:cNvPr>
-          <p:cNvSpPr>
-            <a:spLocks noGrp="1"/>
-          </p:cNvSpPr>
-          <p:nvPr>
-            <p:ph type="title"/>
-          </p:nvPr>
-        </p:nvSpPr>
-        <p:spPr/>
-        <p:txBody>
-          <a:bodyPr/>
-          <a:lstStyle/>
-          <a:p>
-            <a:r>
-              <a:rPr lang="en-US" dirty="0"/>
-              <a:t>Stock Interface and </a:t>
-            </a:r>
-            <a:r>
-              <a:rPr lang="en-US" dirty="0" err="1"/>
-              <a:t>StockImpl</a:t>
-            </a:r>
-            <a:r>
-              <a:rPr lang="en-US" dirty="0"/>
-              <a:t> Class</a:t>
-            </a:r>
-          </a:p>
-        </p:txBody>
-      </p:sp>
-      <p:sp>
-        <p:nvSpPr>
-          <p:cNvPr id="3" name="Content Placeholder 2">
-            <a:extLst>
-              <a:ext uri="{FF2B5EF4-FFF2-40B4-BE49-F238E27FC236}">
-                <a16:creationId xmlns:a16="http://schemas.microsoft.com/office/drawing/2014/main" id="{193B63C8-0697-AF45-B11D-CAF85ACE63C6}"/>
-              </a:ext>
-            </a:extLst>
-          </p:cNvPr>
-          <p:cNvSpPr>
-            <a:spLocks noGrp="1"/>
-          </p:cNvSpPr>
-          <p:nvPr>
-            <p:ph idx="1"/>
-          </p:nvPr>
-        </p:nvSpPr>
-        <p:spPr/>
-        <p:txBody>
-          <a:bodyPr>
-            <a:normAutofit/>
-          </a:bodyPr>
-          <a:lstStyle/>
-          <a:p>
-            <a:r>
-              <a:rPr lang="en-US" dirty="0" err="1"/>
-              <a:t>StockImpl</a:t>
-            </a:r>
-            <a:r>
-              <a:rPr lang="en-US" dirty="0"/>
-              <a:t> implements the Stock Interface</a:t>
-            </a:r>
-          </a:p>
-          <a:p>
-            <a:endParaRPr lang="en-US" dirty="0"/>
-          </a:p>
-          <a:p>
-            <a:r>
-              <a:rPr lang="en-US" dirty="0"/>
-              <a:t>Go to the code</a:t>
-            </a:r>
-          </a:p>
-          <a:p>
-            <a:endParaRPr lang="en-US" dirty="0"/>
-          </a:p>
-        </p:txBody>
-      </p:sp>
-    </p:spTree>
-    <p:extLst>
-      <p:ext uri="{BB962C8B-B14F-4D97-AF65-F5344CB8AC3E}">
-        <p14:creationId xmlns:p14="http://schemas.microsoft.com/office/powerpoint/2010/main" val="456872245"/>
-      </p:ext>
-    </p:extLst>
-  </p:cSld>
-  <p:clrMapOvr>
-    <a:masterClrMapping/>
-  </p:clrMapOvr>
-</p:sld>
-</file>
-
-<file path=ppt/slides/slide9.xml><?xml version="1.0" encoding="utf-8"?>
-<p:sld xmlns:a="http://schemas.openxmlformats.org/drawingml/2006/main" xmlns:r="http://schemas.openxmlformats.org/officeDocument/2006/relationships" xmlns:p="http://schemas.openxmlformats.org/presentationml/2006/main">
-  <p:cSld>
-    <p:spTree>
-      <p:nvGrpSpPr>
-        <p:cNvPr id="1" name=""/>
-        <p:cNvGrpSpPr/>
-        <p:nvPr/>
-      </p:nvGrpSpPr>
-      <p:grpSpPr>
-        <a:xfrm>
-          <a:off x="0" y="0"/>
-          <a:ext cx="0" cy="0"/>
-          <a:chOff x="0" y="0"/>
-          <a:chExt cx="0" cy="0"/>
-        </a:xfrm>
-      </p:grpSpPr>
-      <p:sp>
-        <p:nvSpPr>
-          <p:cNvPr id="2" name="Title 1">
-            <a:extLst>
-              <a:ext uri="{FF2B5EF4-FFF2-40B4-BE49-F238E27FC236}">
-                <a16:creationId xmlns:a16="http://schemas.microsoft.com/office/drawing/2014/main" id="{22D27E57-9837-2742-852B-36AACE27C021}"/>
-              </a:ext>
-            </a:extLst>
-          </p:cNvPr>
-          <p:cNvSpPr>
-            <a:spLocks noGrp="1"/>
-          </p:cNvSpPr>
-          <p:nvPr>
-            <p:ph type="title"/>
-          </p:nvPr>
-        </p:nvSpPr>
-        <p:spPr/>
-        <p:txBody>
-          <a:bodyPr/>
-          <a:lstStyle/>
-          <a:p>
-            <a:r>
-              <a:rPr lang="en-US" dirty="0" err="1"/>
-              <a:t>StockModule</a:t>
-            </a:r>
-            <a:r>
-              <a:rPr lang="en-US" dirty="0"/>
-              <a:t> and </a:t>
-            </a:r>
-            <a:r>
-              <a:rPr lang="en-US" dirty="0" err="1"/>
-              <a:t>StockFactory</a:t>
-            </a:r>
-            <a:endParaRPr lang="en-US" dirty="0"/>
-          </a:p>
-        </p:txBody>
-      </p:sp>
-      <p:sp>
-        <p:nvSpPr>
-          <p:cNvPr id="3" name="Content Placeholder 2">
-            <a:extLst>
-              <a:ext uri="{FF2B5EF4-FFF2-40B4-BE49-F238E27FC236}">
-                <a16:creationId xmlns:a16="http://schemas.microsoft.com/office/drawing/2014/main" id="{A8631E14-E3C6-CD43-B94D-C079FA3E03C8}"/>
-              </a:ext>
-            </a:extLst>
-          </p:cNvPr>
-          <p:cNvSpPr>
-            <a:spLocks noGrp="1"/>
-          </p:cNvSpPr>
-          <p:nvPr>
-            <p:ph idx="1"/>
-          </p:nvPr>
-        </p:nvSpPr>
-        <p:spPr/>
-        <p:txBody>
-          <a:bodyPr/>
-          <a:lstStyle/>
-          <a:p>
-            <a:r>
-              <a:rPr lang="en-US" dirty="0"/>
-              <a:t>Both are required by </a:t>
-            </a:r>
-            <a:r>
-              <a:rPr lang="en-US" dirty="0" err="1"/>
-              <a:t>Guice</a:t>
-            </a:r>
-            <a:endParaRPr lang="en-US" dirty="0"/>
-          </a:p>
-          <a:p>
-            <a:r>
-              <a:rPr lang="en-US" dirty="0" err="1"/>
-              <a:t>StockFactory</a:t>
-            </a:r>
-            <a:r>
-              <a:rPr lang="en-US" dirty="0"/>
-              <a:t> is a Factory Interface being used to create Stock Object</a:t>
-            </a:r>
-          </a:p>
-          <a:p>
-            <a:endParaRPr lang="en-US" dirty="0"/>
-          </a:p>
-          <a:p>
-            <a:r>
-              <a:rPr lang="en-US" dirty="0" err="1"/>
-              <a:t>StockModule</a:t>
-            </a:r>
-            <a:r>
-              <a:rPr lang="en-US" dirty="0"/>
-              <a:t> binds </a:t>
-            </a:r>
-            <a:r>
-              <a:rPr lang="en-US" dirty="0" err="1"/>
-              <a:t>StockManager</a:t>
-            </a:r>
-            <a:r>
-              <a:rPr lang="en-US" dirty="0"/>
-              <a:t> interface to </a:t>
-            </a:r>
-            <a:r>
-              <a:rPr lang="en-US" dirty="0" err="1"/>
-              <a:t>StockManagerImpl</a:t>
-            </a:r>
-            <a:endParaRPr lang="en-US" dirty="0"/>
-          </a:p>
-          <a:p>
-            <a:r>
-              <a:rPr lang="en-US" dirty="0"/>
-              <a:t>And installs the </a:t>
-            </a:r>
-            <a:r>
-              <a:rPr lang="en-US" dirty="0" err="1"/>
-              <a:t>StockFactory</a:t>
-            </a:r>
-            <a:r>
-              <a:rPr lang="en-US" dirty="0"/>
-              <a:t> interface</a:t>
-            </a:r>
-          </a:p>
-          <a:p>
-            <a:endParaRPr lang="en-US" dirty="0"/>
-          </a:p>
-          <a:p>
-            <a:r>
-              <a:rPr lang="en-US" dirty="0"/>
-              <a:t>Need a Factory interface because we have a Assisted annotation in </a:t>
-            </a:r>
-            <a:r>
-              <a:rPr lang="en-US" dirty="0" err="1"/>
-              <a:t>StockImpl’s</a:t>
-            </a:r>
-            <a:r>
-              <a:rPr lang="en-US" dirty="0"/>
-              <a:t> constructor </a:t>
-            </a:r>
-          </a:p>
-          <a:p>
-            <a:endParaRPr lang="en-US" dirty="0"/>
-          </a:p>
-        </p:txBody>
-      </p:sp>
-    </p:spTree>
-    <p:extLst>
-      <p:ext uri="{BB962C8B-B14F-4D97-AF65-F5344CB8AC3E}">
-        <p14:creationId xmlns:p14="http://schemas.microsoft.com/office/powerpoint/2010/main" val="1635699465"/>
-      </p:ext>
-    </p:extLst>
-  </p:cSld>
-  <p:clrMapOvr>
-    <a:masterClrMapping/>
-  </p:clrMapOvr>
 </p:sld>
 </file>
 
